--- a/FunctionalThinking.pptx
+++ b/FunctionalThinking.pptx
@@ -6,7 +6,7 @@
     <p:sldMasterId id="2147483690" r:id="rId2"/>
   </p:sldMasterIdLst>
   <p:notesMasterIdLst>
-    <p:notesMasterId r:id="rId15"/>
+    <p:notesMasterId r:id="rId18"/>
   </p:notesMasterIdLst>
   <p:sldIdLst>
     <p:sldId id="259" r:id="rId3"/>
@@ -19,8 +19,11 @@
     <p:sldId id="266" r:id="rId10"/>
     <p:sldId id="269" r:id="rId11"/>
     <p:sldId id="268" r:id="rId12"/>
-    <p:sldId id="267" r:id="rId13"/>
-    <p:sldId id="261" r:id="rId14"/>
+    <p:sldId id="272" r:id="rId13"/>
+    <p:sldId id="271" r:id="rId14"/>
+    <p:sldId id="273" r:id="rId15"/>
+    <p:sldId id="267" r:id="rId16"/>
+    <p:sldId id="261" r:id="rId17"/>
   </p:sldIdLst>
   <p:sldSz cx="12192000" cy="6858000"/>
   <p:notesSz cx="6858000" cy="9144000"/>
@@ -212,7 +215,7 @@
           <a:p>
             <a:fld id="{33171724-149B-45C7-B4D5-BE1AA1270C15}" type="datetimeFigureOut">
               <a:rPr lang="nl-NL" smtClean="0"/>
-              <a:t>26-10-2015</a:t>
+              <a:t>27-10-2015</a:t>
             </a:fld>
             <a:endParaRPr lang="nl-NL"/>
           </a:p>
@@ -611,7 +614,7 @@
           <a:p>
             <a:fld id="{EE2DB3C1-09F9-4690-82A7-3038F2397449}" type="datetime1">
               <a:rPr lang="nl-NL" smtClean="0"/>
-              <a:t>26-10-2015</a:t>
+              <a:t>27-10-2015</a:t>
             </a:fld>
             <a:endParaRPr lang="nl-NL" dirty="0"/>
           </a:p>
@@ -784,7 +787,7 @@
           <a:p>
             <a:fld id="{AE43BF1C-3CB4-45F9-937C-93F693329060}" type="datetime1">
               <a:rPr lang="nl-NL" smtClean="0"/>
-              <a:t>26-10-2015</a:t>
+              <a:t>27-10-2015</a:t>
             </a:fld>
             <a:endParaRPr lang="nl-NL"/>
           </a:p>
@@ -967,7 +970,7 @@
           <a:p>
             <a:fld id="{0B34A0DD-7290-4665-A5C6-A7D8F41D7D8C}" type="datetime1">
               <a:rPr lang="nl-NL" smtClean="0"/>
-              <a:t>26-10-2015</a:t>
+              <a:t>27-10-2015</a:t>
             </a:fld>
             <a:endParaRPr lang="nl-NL"/>
           </a:p>
@@ -1170,7 +1173,7 @@
           <a:p>
             <a:fld id="{DDCBBE40-3936-4E41-BF7F-10870CCF05BF}" type="datetimeFigureOut">
               <a:rPr lang="nl-NL" smtClean="0"/>
-              <a:t>26-10-2015</a:t>
+              <a:t>27-10-2015</a:t>
             </a:fld>
             <a:endParaRPr lang="nl-NL"/>
           </a:p>
@@ -1364,7 +1367,7 @@
           <a:p>
             <a:fld id="{DDCBBE40-3936-4E41-BF7F-10870CCF05BF}" type="datetimeFigureOut">
               <a:rPr lang="nl-NL" smtClean="0"/>
-              <a:t>26-10-2015</a:t>
+              <a:t>27-10-2015</a:t>
             </a:fld>
             <a:endParaRPr lang="nl-NL"/>
           </a:p>
@@ -1634,7 +1637,7 @@
           <a:p>
             <a:fld id="{DDCBBE40-3936-4E41-BF7F-10870CCF05BF}" type="datetimeFigureOut">
               <a:rPr lang="nl-NL" smtClean="0"/>
-              <a:t>26-10-2015</a:t>
+              <a:t>27-10-2015</a:t>
             </a:fld>
             <a:endParaRPr lang="nl-NL"/>
           </a:p>
@@ -1890,7 +1893,7 @@
           <a:p>
             <a:fld id="{DDCBBE40-3936-4E41-BF7F-10870CCF05BF}" type="datetimeFigureOut">
               <a:rPr lang="nl-NL" smtClean="0"/>
-              <a:t>26-10-2015</a:t>
+              <a:t>27-10-2015</a:t>
             </a:fld>
             <a:endParaRPr lang="nl-NL"/>
           </a:p>
@@ -2281,7 +2284,7 @@
           <a:p>
             <a:fld id="{DDCBBE40-3936-4E41-BF7F-10870CCF05BF}" type="datetimeFigureOut">
               <a:rPr lang="nl-NL" smtClean="0"/>
-              <a:t>26-10-2015</a:t>
+              <a:t>27-10-2015</a:t>
             </a:fld>
             <a:endParaRPr lang="nl-NL"/>
           </a:p>
@@ -2423,7 +2426,7 @@
           <a:p>
             <a:fld id="{DDCBBE40-3936-4E41-BF7F-10870CCF05BF}" type="datetimeFigureOut">
               <a:rPr lang="nl-NL" smtClean="0"/>
-              <a:t>26-10-2015</a:t>
+              <a:t>27-10-2015</a:t>
             </a:fld>
             <a:endParaRPr lang="nl-NL"/>
           </a:p>
@@ -2542,7 +2545,7 @@
           <a:p>
             <a:fld id="{DDCBBE40-3936-4E41-BF7F-10870CCF05BF}" type="datetimeFigureOut">
               <a:rPr lang="nl-NL" smtClean="0"/>
-              <a:t>26-10-2015</a:t>
+              <a:t>27-10-2015</a:t>
             </a:fld>
             <a:endParaRPr lang="nl-NL"/>
           </a:p>
@@ -2843,7 +2846,7 @@
           <a:p>
             <a:fld id="{DDCBBE40-3936-4E41-BF7F-10870CCF05BF}" type="datetimeFigureOut">
               <a:rPr lang="nl-NL" smtClean="0"/>
-              <a:t>26-10-2015</a:t>
+              <a:t>27-10-2015</a:t>
             </a:fld>
             <a:endParaRPr lang="nl-NL"/>
           </a:p>
@@ -3029,7 +3032,7 @@
           <a:p>
             <a:fld id="{7C4EBE15-66AE-456B-B039-A4E36FFFB3E4}" type="datetime1">
               <a:rPr lang="nl-NL" smtClean="0"/>
-              <a:t>26-10-2015</a:t>
+              <a:t>27-10-2015</a:t>
             </a:fld>
             <a:endParaRPr lang="nl-NL"/>
           </a:p>
@@ -3293,7 +3296,7 @@
           <a:p>
             <a:fld id="{DDCBBE40-3936-4E41-BF7F-10870CCF05BF}" type="datetimeFigureOut">
               <a:rPr lang="nl-NL" smtClean="0"/>
-              <a:t>26-10-2015</a:t>
+              <a:t>27-10-2015</a:t>
             </a:fld>
             <a:endParaRPr lang="nl-NL"/>
           </a:p>
@@ -3487,7 +3490,7 @@
           <a:p>
             <a:fld id="{DDCBBE40-3936-4E41-BF7F-10870CCF05BF}" type="datetimeFigureOut">
               <a:rPr lang="nl-NL" smtClean="0"/>
-              <a:t>26-10-2015</a:t>
+              <a:t>27-10-2015</a:t>
             </a:fld>
             <a:endParaRPr lang="nl-NL"/>
           </a:p>
@@ -3691,7 +3694,7 @@
           <a:p>
             <a:fld id="{DDCBBE40-3936-4E41-BF7F-10870CCF05BF}" type="datetimeFigureOut">
               <a:rPr lang="nl-NL" smtClean="0"/>
-              <a:t>26-10-2015</a:t>
+              <a:t>27-10-2015</a:t>
             </a:fld>
             <a:endParaRPr lang="nl-NL"/>
           </a:p>
@@ -3953,7 +3956,7 @@
           <a:p>
             <a:fld id="{B9C56916-64FF-4914-9172-550A5AFF73E5}" type="datetime1">
               <a:rPr lang="nl-NL" smtClean="0"/>
-              <a:t>26-10-2015</a:t>
+              <a:t>27-10-2015</a:t>
             </a:fld>
             <a:endParaRPr lang="nl-NL"/>
           </a:p>
@@ -4188,7 +4191,7 @@
           <a:p>
             <a:fld id="{D7D137D7-7F4E-4035-92D6-EA7561F74EBD}" type="datetime1">
               <a:rPr lang="nl-NL" smtClean="0"/>
-              <a:t>26-10-2015</a:t>
+              <a:t>27-10-2015</a:t>
             </a:fld>
             <a:endParaRPr lang="nl-NL"/>
           </a:p>
@@ -4558,7 +4561,7 @@
           <a:p>
             <a:fld id="{656F63B7-E110-4E5C-B606-57BC011E3CB6}" type="datetime1">
               <a:rPr lang="nl-NL" smtClean="0"/>
-              <a:t>26-10-2015</a:t>
+              <a:t>27-10-2015</a:t>
             </a:fld>
             <a:endParaRPr lang="nl-NL"/>
           </a:p>
@@ -4679,7 +4682,7 @@
           <a:p>
             <a:fld id="{7D9C7848-1ABE-4860-AC35-24F53D55ECB2}" type="datetime1">
               <a:rPr lang="nl-NL" smtClean="0"/>
-              <a:t>26-10-2015</a:t>
+              <a:t>27-10-2015</a:t>
             </a:fld>
             <a:endParaRPr lang="nl-NL"/>
           </a:p>
@@ -4777,7 +4780,7 @@
           <a:p>
             <a:fld id="{DD723915-A5EC-4067-A602-4E9BF6A18DD4}" type="datetime1">
               <a:rPr lang="nl-NL" smtClean="0"/>
-              <a:t>26-10-2015</a:t>
+              <a:t>27-10-2015</a:t>
             </a:fld>
             <a:endParaRPr lang="nl-NL" dirty="0"/>
           </a:p>
@@ -5057,7 +5060,7 @@
           <a:p>
             <a:fld id="{C5402CD7-2047-4CA8-BD42-B0B898136DD7}" type="datetime1">
               <a:rPr lang="nl-NL" smtClean="0"/>
-              <a:t>26-10-2015</a:t>
+              <a:t>27-10-2015</a:t>
             </a:fld>
             <a:endParaRPr lang="nl-NL"/>
           </a:p>
@@ -5313,7 +5316,7 @@
           <a:p>
             <a:fld id="{2953470A-3090-439F-9EF2-7299972C39C2}" type="datetime1">
               <a:rPr lang="nl-NL" smtClean="0"/>
-              <a:t>26-10-2015</a:t>
+              <a:t>27-10-2015</a:t>
             </a:fld>
             <a:endParaRPr lang="nl-NL"/>
           </a:p>
@@ -5527,7 +5530,7 @@
           <a:p>
             <a:fld id="{7ACCF050-9FF5-4BBC-AA12-CC0A1A998405}" type="datetime1">
               <a:rPr lang="nl-NL" smtClean="0"/>
-              <a:t>26-10-2015</a:t>
+              <a:t>27-10-2015</a:t>
             </a:fld>
             <a:endParaRPr lang="nl-NL" dirty="0"/>
           </a:p>
@@ -6659,7 +6662,7 @@
           <a:p>
             <a:fld id="{C121A7DF-150F-4908-850E-EEAA3BF9A727}" type="datetime1">
               <a:rPr lang="nl-NL" smtClean="0"/>
-              <a:t>26-10-2015</a:t>
+              <a:t>27-10-2015</a:t>
             </a:fld>
             <a:endParaRPr lang="nl-NL" dirty="0"/>
           </a:p>
@@ -7036,7 +7039,7 @@
           <a:p>
             <a:fld id="{17B99F1E-636C-481D-A8A7-AD17B57A4529}" type="datetime1">
               <a:rPr lang="nl-NL" smtClean="0"/>
-              <a:t>26-10-2015</a:t>
+              <a:t>27-10-2015</a:t>
             </a:fld>
             <a:endParaRPr lang="nl-NL"/>
           </a:p>
@@ -7427,6 +7430,3428 @@
 </file>
 
 <file path=ppt/slides/slide11.xml><?xml version="1.0" encoding="utf-8"?>
+<p:sld xmlns:a="http://schemas.openxmlformats.org/drawingml/2006/main" xmlns:r="http://schemas.openxmlformats.org/officeDocument/2006/relationships" xmlns:p="http://schemas.openxmlformats.org/presentationml/2006/main">
+  <p:cSld>
+    <p:spTree>
+      <p:nvGrpSpPr>
+        <p:cNvPr id="1" name=""/>
+        <p:cNvGrpSpPr/>
+        <p:nvPr/>
+      </p:nvGrpSpPr>
+      <p:grpSpPr>
+        <a:xfrm>
+          <a:off x="0" y="0"/>
+          <a:ext cx="0" cy="0"/>
+          <a:chOff x="0" y="0"/>
+          <a:chExt cx="0" cy="0"/>
+        </a:xfrm>
+      </p:grpSpPr>
+      <p:grpSp>
+        <p:nvGrpSpPr>
+          <p:cNvPr id="9" name="Group 8"/>
+          <p:cNvGrpSpPr/>
+          <p:nvPr/>
+        </p:nvGrpSpPr>
+        <p:grpSpPr>
+          <a:xfrm>
+            <a:off x="1592187" y="228811"/>
+            <a:ext cx="7858664" cy="921253"/>
+            <a:chOff x="1069676" y="171661"/>
+            <a:chExt cx="7858664" cy="921253"/>
+          </a:xfrm>
+        </p:grpSpPr>
+        <p:sp>
+          <p:nvSpPr>
+            <p:cNvPr id="4" name="Afgeronde rechthoek 44"/>
+            <p:cNvSpPr/>
+            <p:nvPr/>
+          </p:nvSpPr>
+          <p:spPr>
+            <a:xfrm>
+              <a:off x="1069676" y="171661"/>
+              <a:ext cx="7858664" cy="921253"/>
+            </a:xfrm>
+            <a:prstGeom prst="roundRect">
+              <a:avLst>
+                <a:gd name="adj" fmla="val 42744"/>
+              </a:avLst>
+            </a:prstGeom>
+            <a:solidFill>
+              <a:srgbClr val="E42419"/>
+            </a:solidFill>
+            <a:ln>
+              <a:noFill/>
+            </a:ln>
+            <a:scene3d>
+              <a:camera prst="orthographicFront"/>
+              <a:lightRig rig="threePt" dir="t"/>
+            </a:scene3d>
+            <a:sp3d>
+              <a:bevelT/>
+            </a:sp3d>
+          </p:spPr>
+          <p:style>
+            <a:lnRef idx="2">
+              <a:schemeClr val="accent1">
+                <a:shade val="50000"/>
+              </a:schemeClr>
+            </a:lnRef>
+            <a:fillRef idx="1">
+              <a:schemeClr val="accent1"/>
+            </a:fillRef>
+            <a:effectRef idx="0">
+              <a:schemeClr val="accent1"/>
+            </a:effectRef>
+            <a:fontRef idx="minor">
+              <a:schemeClr val="lt1"/>
+            </a:fontRef>
+          </p:style>
+          <p:txBody>
+            <a:bodyPr anchor="ctr"/>
+            <a:lstStyle/>
+            <a:p>
+              <a:pPr algn="ctr" fontAlgn="auto">
+                <a:spcBef>
+                  <a:spcPts val="0"/>
+                </a:spcBef>
+                <a:spcAft>
+                  <a:spcPts val="0"/>
+                </a:spcAft>
+                <a:defRPr/>
+              </a:pPr>
+              <a:endParaRPr lang="nl-NL"/>
+            </a:p>
+          </p:txBody>
+        </p:sp>
+        <p:grpSp>
+          <p:nvGrpSpPr>
+            <p:cNvPr id="5" name="Group 4"/>
+            <p:cNvGrpSpPr/>
+            <p:nvPr/>
+          </p:nvGrpSpPr>
+          <p:grpSpPr>
+            <a:xfrm>
+              <a:off x="1454590" y="272966"/>
+              <a:ext cx="7240836" cy="656054"/>
+              <a:chOff x="2636410" y="272966"/>
+              <a:chExt cx="6938910" cy="656054"/>
+            </a:xfrm>
+          </p:grpSpPr>
+          <p:sp>
+            <p:nvSpPr>
+              <p:cNvPr id="6" name="Afgeronde rechthoek 90"/>
+              <p:cNvSpPr/>
+              <p:nvPr/>
+            </p:nvSpPr>
+            <p:spPr>
+              <a:xfrm>
+                <a:off x="2636410" y="272966"/>
+                <a:ext cx="6938910" cy="656054"/>
+              </a:xfrm>
+              <a:prstGeom prst="roundRect">
+                <a:avLst>
+                  <a:gd name="adj" fmla="val 42744"/>
+                </a:avLst>
+              </a:prstGeom>
+              <a:solidFill>
+                <a:schemeClr val="bg1"/>
+              </a:solidFill>
+              <a:ln>
+                <a:noFill/>
+              </a:ln>
+              <a:scene3d>
+                <a:camera prst="orthographicFront"/>
+                <a:lightRig rig="threePt" dir="t"/>
+              </a:scene3d>
+              <a:sp3d>
+                <a:bevelT/>
+              </a:sp3d>
+            </p:spPr>
+            <p:style>
+              <a:lnRef idx="2">
+                <a:schemeClr val="accent1">
+                  <a:shade val="50000"/>
+                </a:schemeClr>
+              </a:lnRef>
+              <a:fillRef idx="1">
+                <a:schemeClr val="accent1"/>
+              </a:fillRef>
+              <a:effectRef idx="0">
+                <a:schemeClr val="accent1"/>
+              </a:effectRef>
+              <a:fontRef idx="minor">
+                <a:schemeClr val="lt1"/>
+              </a:fontRef>
+            </p:style>
+            <p:txBody>
+              <a:bodyPr anchor="ctr"/>
+              <a:lstStyle/>
+              <a:p>
+                <a:pPr algn="ctr" fontAlgn="auto">
+                  <a:spcBef>
+                    <a:spcPts val="0"/>
+                  </a:spcBef>
+                  <a:spcAft>
+                    <a:spcPts val="0"/>
+                  </a:spcAft>
+                  <a:defRPr/>
+                </a:pPr>
+                <a:endParaRPr lang="nl-NL"/>
+              </a:p>
+            </p:txBody>
+          </p:sp>
+          <p:sp>
+            <p:nvSpPr>
+              <p:cNvPr id="7" name="Tekstvak 21"/>
+              <p:cNvSpPr txBox="1"/>
+              <p:nvPr/>
+            </p:nvSpPr>
+            <p:spPr>
+              <a:xfrm>
+                <a:off x="4445017" y="297573"/>
+                <a:ext cx="1576409" cy="523220"/>
+              </a:xfrm>
+              <a:prstGeom prst="rect">
+                <a:avLst/>
+              </a:prstGeom>
+              <a:noFill/>
+            </p:spPr>
+            <p:txBody>
+              <a:bodyPr wrap="none">
+                <a:spAutoFit/>
+              </a:bodyPr>
+              <a:lstStyle/>
+              <a:p>
+                <a:pPr algn="ctr" fontAlgn="auto">
+                  <a:spcBef>
+                    <a:spcPts val="0"/>
+                  </a:spcBef>
+                  <a:spcAft>
+                    <a:spcPts val="0"/>
+                  </a:spcAft>
+                  <a:defRPr/>
+                </a:pPr>
+                <a:r>
+                  <a:rPr lang="nl-NL" sz="2800" b="1" dirty="0" err="1" smtClean="0">
+                    <a:effectLst>
+                      <a:outerShdw blurRad="38100" dist="38100" dir="2700000" algn="tl">
+                        <a:srgbClr val="000000">
+                          <a:alpha val="43137"/>
+                        </a:srgbClr>
+                      </a:outerShdw>
+                    </a:effectLst>
+                  </a:rPr>
+                  <a:t>Recursion</a:t>
+                </a:r>
+                <a:endParaRPr lang="nl-NL" sz="2800" b="1" dirty="0">
+                  <a:effectLst>
+                    <a:outerShdw blurRad="38100" dist="38100" dir="2700000" algn="tl">
+                      <a:srgbClr val="000000">
+                        <a:alpha val="43137"/>
+                      </a:srgbClr>
+                    </a:outerShdw>
+                  </a:effectLst>
+                  <a:latin typeface="+mn-lt"/>
+                  <a:cs typeface="+mn-cs"/>
+                </a:endParaRPr>
+              </a:p>
+            </p:txBody>
+          </p:sp>
+        </p:grpSp>
+        <p:pic>
+          <p:nvPicPr>
+            <p:cNvPr id="8" name="Picture 5" descr="D:\users\boersmal\Documents\My Pictures\logo\Logo_Sogeti_groot.jpg"/>
+            <p:cNvPicPr>
+              <a:picLocks noChangeAspect="1" noChangeArrowheads="1"/>
+            </p:cNvPicPr>
+            <p:nvPr/>
+          </p:nvPicPr>
+          <p:blipFill>
+            <a:blip r:embed="rId2">
+              <a:extLst>
+                <a:ext uri="{28A0092B-C50C-407E-A947-70E740481C1C}">
+                  <a14:useLocalDpi xmlns:a14="http://schemas.microsoft.com/office/drawing/2010/main" val="0"/>
+                </a:ext>
+              </a:extLst>
+            </a:blip>
+            <a:srcRect/>
+            <a:stretch>
+              <a:fillRect/>
+            </a:stretch>
+          </p:blipFill>
+          <p:spPr bwMode="auto">
+            <a:xfrm>
+              <a:off x="6874175" y="398625"/>
+              <a:ext cx="1657350" cy="357187"/>
+            </a:xfrm>
+            <a:prstGeom prst="rect">
+              <a:avLst/>
+            </a:prstGeom>
+            <a:noFill/>
+            <a:ln>
+              <a:noFill/>
+            </a:ln>
+            <a:extLst>
+              <a:ext uri="{909E8E84-426E-40DD-AFC4-6F175D3DCCD1}">
+                <a14:hiddenFill xmlns:a14="http://schemas.microsoft.com/office/drawing/2010/main">
+                  <a:solidFill>
+                    <a:srgbClr val="FFFFFF"/>
+                  </a:solidFill>
+                </a14:hiddenFill>
+              </a:ext>
+              <a:ext uri="{91240B29-F687-4F45-9708-019B960494DF}">
+                <a14:hiddenLine xmlns:a14="http://schemas.microsoft.com/office/drawing/2010/main" w="9525">
+                  <a:solidFill>
+                    <a:srgbClr val="000000"/>
+                  </a:solidFill>
+                  <a:miter lim="800000"/>
+                  <a:headEnd/>
+                  <a:tailEnd/>
+                </a14:hiddenLine>
+              </a:ext>
+            </a:extLst>
+          </p:spPr>
+        </p:pic>
+      </p:grpSp>
+      <p:sp>
+        <p:nvSpPr>
+          <p:cNvPr id="10" name="Date Placeholder 9"/>
+          <p:cNvSpPr>
+            <a:spLocks noGrp="1"/>
+          </p:cNvSpPr>
+          <p:nvPr>
+            <p:ph type="dt" sz="half" idx="10"/>
+          </p:nvPr>
+        </p:nvSpPr>
+        <p:spPr/>
+        <p:txBody>
+          <a:bodyPr/>
+          <a:lstStyle/>
+          <a:p>
+            <a:fld id="{17B99F1E-636C-481D-A8A7-AD17B57A4529}" type="datetime1">
+              <a:rPr lang="nl-NL" smtClean="0"/>
+              <a:t>27-10-2015</a:t>
+            </a:fld>
+            <a:endParaRPr lang="nl-NL"/>
+          </a:p>
+        </p:txBody>
+      </p:sp>
+      <p:sp>
+        <p:nvSpPr>
+          <p:cNvPr id="11" name="Slide Number Placeholder 10"/>
+          <p:cNvSpPr>
+            <a:spLocks noGrp="1"/>
+          </p:cNvSpPr>
+          <p:nvPr>
+            <p:ph type="sldNum" sz="quarter" idx="12"/>
+          </p:nvPr>
+        </p:nvSpPr>
+        <p:spPr/>
+        <p:txBody>
+          <a:bodyPr/>
+          <a:lstStyle/>
+          <a:p>
+            <a:fld id="{AC3BFB62-7AAE-449C-AD60-6BA91FAD083A}" type="slidenum">
+              <a:rPr lang="nl-NL" smtClean="0"/>
+              <a:t>11</a:t>
+            </a:fld>
+            <a:endParaRPr lang="nl-NL"/>
+          </a:p>
+        </p:txBody>
+      </p:sp>
+      <p:sp>
+        <p:nvSpPr>
+          <p:cNvPr id="12" name="Footer Placeholder 11"/>
+          <p:cNvSpPr>
+            <a:spLocks noGrp="1"/>
+          </p:cNvSpPr>
+          <p:nvPr>
+            <p:ph type="ftr" sz="quarter" idx="11"/>
+          </p:nvPr>
+        </p:nvSpPr>
+        <p:spPr/>
+        <p:txBody>
+          <a:bodyPr/>
+          <a:lstStyle/>
+          <a:p>
+            <a:r>
+              <a:rPr lang="nl-NL" dirty="0"/>
+              <a:t>Sogeti Nederland B.V </a:t>
+            </a:r>
+            <a:r>
+              <a:rPr lang="nl-NL" dirty="0" smtClean="0"/>
+              <a:t>©</a:t>
+            </a:r>
+            <a:endParaRPr lang="nl-NL" dirty="0"/>
+          </a:p>
+        </p:txBody>
+      </p:sp>
+      <p:sp>
+        <p:nvSpPr>
+          <p:cNvPr id="2" name="Rounded Rectangle 1"/>
+          <p:cNvSpPr/>
+          <p:nvPr/>
+        </p:nvSpPr>
+        <p:spPr>
+          <a:xfrm>
+            <a:off x="276225" y="5867400"/>
+            <a:ext cx="828675" cy="325056"/>
+          </a:xfrm>
+          <a:prstGeom prst="roundRect">
+            <a:avLst/>
+          </a:prstGeom>
+        </p:spPr>
+        <p:style>
+          <a:lnRef idx="2">
+            <a:schemeClr val="accent1">
+              <a:shade val="50000"/>
+            </a:schemeClr>
+          </a:lnRef>
+          <a:fillRef idx="1">
+            <a:schemeClr val="accent1"/>
+          </a:fillRef>
+          <a:effectRef idx="0">
+            <a:schemeClr val="accent1"/>
+          </a:effectRef>
+          <a:fontRef idx="minor">
+            <a:schemeClr val="lt1"/>
+          </a:fontRef>
+        </p:style>
+        <p:txBody>
+          <a:bodyPr rtlCol="0" anchor="ctr"/>
+          <a:lstStyle/>
+          <a:p>
+            <a:pPr algn="ctr"/>
+            <a:r>
+              <a:rPr lang="nl-NL" dirty="0" smtClean="0">
+                <a:hlinkClick r:id="rId3" action="ppaction://hlinksldjump"/>
+              </a:rPr>
+              <a:t>BACK</a:t>
+            </a:r>
+            <a:endParaRPr lang="nl-NL" dirty="0"/>
+          </a:p>
+        </p:txBody>
+      </p:sp>
+      <p:sp>
+        <p:nvSpPr>
+          <p:cNvPr id="18" name="Content Placeholder 2"/>
+          <p:cNvSpPr txBox="1">
+            <a:spLocks/>
+          </p:cNvSpPr>
+          <p:nvPr/>
+        </p:nvSpPr>
+        <p:spPr>
+          <a:xfrm>
+            <a:off x="276225" y="1313201"/>
+            <a:ext cx="5090333" cy="833627"/>
+          </a:xfrm>
+          <a:prstGeom prst="rect">
+            <a:avLst/>
+          </a:prstGeom>
+        </p:spPr>
+        <p:txBody>
+          <a:bodyPr vert="horz" lIns="91440" tIns="45720" rIns="91440" bIns="45720" rtlCol="0">
+            <a:normAutofit/>
+          </a:bodyPr>
+          <a:lstStyle>
+            <a:lvl1pPr marL="228600" indent="-228600" algn="l" defTabSz="914400" rtl="0" eaLnBrk="1" latinLnBrk="0" hangingPunct="1">
+              <a:lnSpc>
+                <a:spcPct val="90000"/>
+              </a:lnSpc>
+              <a:spcBef>
+                <a:spcPts val="1000"/>
+              </a:spcBef>
+              <a:buFont typeface="Arial" panose="020B0604020202020204" pitchFamily="34" charset="0"/>
+              <a:buChar char="•"/>
+              <a:defRPr sz="2800" kern="1200">
+                <a:solidFill>
+                  <a:schemeClr val="tx1"/>
+                </a:solidFill>
+                <a:latin typeface="+mn-lt"/>
+                <a:ea typeface="+mn-ea"/>
+                <a:cs typeface="+mn-cs"/>
+              </a:defRPr>
+            </a:lvl1pPr>
+            <a:lvl2pPr marL="685800" indent="-228600" algn="l" defTabSz="914400" rtl="0" eaLnBrk="1" latinLnBrk="0" hangingPunct="1">
+              <a:lnSpc>
+                <a:spcPct val="90000"/>
+              </a:lnSpc>
+              <a:spcBef>
+                <a:spcPts val="500"/>
+              </a:spcBef>
+              <a:buFont typeface="Arial" panose="020B0604020202020204" pitchFamily="34" charset="0"/>
+              <a:buChar char="•"/>
+              <a:defRPr sz="2400" kern="1200">
+                <a:solidFill>
+                  <a:schemeClr val="tx1"/>
+                </a:solidFill>
+                <a:latin typeface="+mn-lt"/>
+                <a:ea typeface="+mn-ea"/>
+                <a:cs typeface="+mn-cs"/>
+              </a:defRPr>
+            </a:lvl2pPr>
+            <a:lvl3pPr marL="1143000" indent="-228600" algn="l" defTabSz="914400" rtl="0" eaLnBrk="1" latinLnBrk="0" hangingPunct="1">
+              <a:lnSpc>
+                <a:spcPct val="90000"/>
+              </a:lnSpc>
+              <a:spcBef>
+                <a:spcPts val="500"/>
+              </a:spcBef>
+              <a:buFont typeface="Arial" panose="020B0604020202020204" pitchFamily="34" charset="0"/>
+              <a:buChar char="•"/>
+              <a:defRPr sz="2000" kern="1200">
+                <a:solidFill>
+                  <a:schemeClr val="tx1"/>
+                </a:solidFill>
+                <a:latin typeface="+mn-lt"/>
+                <a:ea typeface="+mn-ea"/>
+                <a:cs typeface="+mn-cs"/>
+              </a:defRPr>
+            </a:lvl3pPr>
+            <a:lvl4pPr marL="1600200" indent="-228600" algn="l" defTabSz="914400" rtl="0" eaLnBrk="1" latinLnBrk="0" hangingPunct="1">
+              <a:lnSpc>
+                <a:spcPct val="90000"/>
+              </a:lnSpc>
+              <a:spcBef>
+                <a:spcPts val="500"/>
+              </a:spcBef>
+              <a:buFont typeface="Arial" panose="020B0604020202020204" pitchFamily="34" charset="0"/>
+              <a:buChar char="•"/>
+              <a:defRPr sz="1800" kern="1200">
+                <a:solidFill>
+                  <a:schemeClr val="tx1"/>
+                </a:solidFill>
+                <a:latin typeface="+mn-lt"/>
+                <a:ea typeface="+mn-ea"/>
+                <a:cs typeface="+mn-cs"/>
+              </a:defRPr>
+            </a:lvl4pPr>
+            <a:lvl5pPr marL="2057400" indent="-228600" algn="l" defTabSz="914400" rtl="0" eaLnBrk="1" latinLnBrk="0" hangingPunct="1">
+              <a:lnSpc>
+                <a:spcPct val="90000"/>
+              </a:lnSpc>
+              <a:spcBef>
+                <a:spcPts val="500"/>
+              </a:spcBef>
+              <a:buFont typeface="Arial" panose="020B0604020202020204" pitchFamily="34" charset="0"/>
+              <a:buChar char="•"/>
+              <a:defRPr sz="1800" kern="1200">
+                <a:solidFill>
+                  <a:schemeClr val="tx1"/>
+                </a:solidFill>
+                <a:latin typeface="+mn-lt"/>
+                <a:ea typeface="+mn-ea"/>
+                <a:cs typeface="+mn-cs"/>
+              </a:defRPr>
+            </a:lvl5pPr>
+            <a:lvl6pPr marL="2514600" indent="-228600" algn="l" defTabSz="914400" rtl="0" eaLnBrk="1" latinLnBrk="0" hangingPunct="1">
+              <a:lnSpc>
+                <a:spcPct val="90000"/>
+              </a:lnSpc>
+              <a:spcBef>
+                <a:spcPts val="500"/>
+              </a:spcBef>
+              <a:buFont typeface="Arial" panose="020B0604020202020204" pitchFamily="34" charset="0"/>
+              <a:buChar char="•"/>
+              <a:defRPr sz="1800" kern="1200">
+                <a:solidFill>
+                  <a:schemeClr val="tx1"/>
+                </a:solidFill>
+                <a:latin typeface="+mn-lt"/>
+                <a:ea typeface="+mn-ea"/>
+                <a:cs typeface="+mn-cs"/>
+              </a:defRPr>
+            </a:lvl6pPr>
+            <a:lvl7pPr marL="2971800" indent="-228600" algn="l" defTabSz="914400" rtl="0" eaLnBrk="1" latinLnBrk="0" hangingPunct="1">
+              <a:lnSpc>
+                <a:spcPct val="90000"/>
+              </a:lnSpc>
+              <a:spcBef>
+                <a:spcPts val="500"/>
+              </a:spcBef>
+              <a:buFont typeface="Arial" panose="020B0604020202020204" pitchFamily="34" charset="0"/>
+              <a:buChar char="•"/>
+              <a:defRPr sz="1800" kern="1200">
+                <a:solidFill>
+                  <a:schemeClr val="tx1"/>
+                </a:solidFill>
+                <a:latin typeface="+mn-lt"/>
+                <a:ea typeface="+mn-ea"/>
+                <a:cs typeface="+mn-cs"/>
+              </a:defRPr>
+            </a:lvl7pPr>
+            <a:lvl8pPr marL="3429000" indent="-228600" algn="l" defTabSz="914400" rtl="0" eaLnBrk="1" latinLnBrk="0" hangingPunct="1">
+              <a:lnSpc>
+                <a:spcPct val="90000"/>
+              </a:lnSpc>
+              <a:spcBef>
+                <a:spcPts val="500"/>
+              </a:spcBef>
+              <a:buFont typeface="Arial" panose="020B0604020202020204" pitchFamily="34" charset="0"/>
+              <a:buChar char="•"/>
+              <a:defRPr sz="1800" kern="1200">
+                <a:solidFill>
+                  <a:schemeClr val="tx1"/>
+                </a:solidFill>
+                <a:latin typeface="+mn-lt"/>
+                <a:ea typeface="+mn-ea"/>
+                <a:cs typeface="+mn-cs"/>
+              </a:defRPr>
+            </a:lvl8pPr>
+            <a:lvl9pPr marL="3886200" indent="-228600" algn="l" defTabSz="914400" rtl="0" eaLnBrk="1" latinLnBrk="0" hangingPunct="1">
+              <a:lnSpc>
+                <a:spcPct val="90000"/>
+              </a:lnSpc>
+              <a:spcBef>
+                <a:spcPts val="500"/>
+              </a:spcBef>
+              <a:buFont typeface="Arial" panose="020B0604020202020204" pitchFamily="34" charset="0"/>
+              <a:buChar char="•"/>
+              <a:defRPr sz="1800" kern="1200">
+                <a:solidFill>
+                  <a:schemeClr val="tx1"/>
+                </a:solidFill>
+                <a:latin typeface="+mn-lt"/>
+                <a:ea typeface="+mn-ea"/>
+                <a:cs typeface="+mn-cs"/>
+              </a:defRPr>
+            </a:lvl9pPr>
+          </a:lstStyle>
+          <a:p>
+            <a:pPr marL="457200" lvl="1" indent="0">
+              <a:buNone/>
+            </a:pPr>
+            <a:r>
+              <a:rPr lang="en-GB" dirty="0" smtClean="0"/>
+              <a:t>Over Simplified definition</a:t>
+            </a:r>
+            <a:endParaRPr lang="en-GB" dirty="0" smtClean="0"/>
+          </a:p>
+          <a:p>
+            <a:pPr marL="457200" lvl="1" indent="0">
+              <a:buNone/>
+            </a:pPr>
+            <a:r>
+              <a:rPr lang="en-GB" dirty="0" smtClean="0"/>
+              <a:t>“ </a:t>
+            </a:r>
+            <a:r>
+              <a:rPr lang="nl-NL" dirty="0" err="1" smtClean="0"/>
+              <a:t>Functions</a:t>
+            </a:r>
+            <a:r>
+              <a:rPr lang="nl-NL" dirty="0" smtClean="0"/>
+              <a:t> </a:t>
+            </a:r>
+            <a:r>
+              <a:rPr lang="nl-NL" dirty="0" err="1" smtClean="0"/>
+              <a:t>calling</a:t>
+            </a:r>
+            <a:r>
+              <a:rPr lang="nl-NL" dirty="0" smtClean="0"/>
+              <a:t> </a:t>
+            </a:r>
+            <a:r>
+              <a:rPr lang="nl-NL" dirty="0" err="1" smtClean="0"/>
+              <a:t>themselves</a:t>
+            </a:r>
+            <a:r>
+              <a:rPr lang="en-GB" dirty="0" smtClean="0"/>
+              <a:t>”</a:t>
+            </a:r>
+            <a:endParaRPr lang="en-GB" dirty="0" smtClean="0"/>
+          </a:p>
+          <a:p>
+            <a:pPr marL="0" indent="0">
+              <a:buNone/>
+            </a:pPr>
+            <a:endParaRPr lang="en-GB" dirty="0" smtClean="0"/>
+          </a:p>
+        </p:txBody>
+      </p:sp>
+      <p:sp>
+        <p:nvSpPr>
+          <p:cNvPr id="3" name="Rectangle 2"/>
+          <p:cNvSpPr/>
+          <p:nvPr/>
+        </p:nvSpPr>
+        <p:spPr>
+          <a:xfrm>
+            <a:off x="698505" y="2596473"/>
+            <a:ext cx="4823014" cy="1754326"/>
+          </a:xfrm>
+          <a:prstGeom prst="rect">
+            <a:avLst/>
+          </a:prstGeom>
+        </p:spPr>
+        <p:txBody>
+          <a:bodyPr wrap="square">
+            <a:spAutoFit/>
+          </a:bodyPr>
+          <a:lstStyle/>
+          <a:p>
+            <a:r>
+              <a:rPr lang="nl-NL" dirty="0">
+                <a:solidFill>
+                  <a:srgbClr val="0000FF"/>
+                </a:solidFill>
+                <a:highlight>
+                  <a:srgbClr val="FFFFFF"/>
+                </a:highlight>
+                <a:latin typeface="Consolas" panose="020B0609020204030204" pitchFamily="49" charset="0"/>
+              </a:rPr>
+              <a:t>public</a:t>
+            </a:r>
+            <a:r>
+              <a:rPr lang="nl-NL" dirty="0">
+                <a:solidFill>
+                  <a:srgbClr val="000000"/>
+                </a:solidFill>
+                <a:highlight>
+                  <a:srgbClr val="FFFFFF"/>
+                </a:highlight>
+                <a:latin typeface="Consolas" panose="020B0609020204030204" pitchFamily="49" charset="0"/>
+              </a:rPr>
+              <a:t> </a:t>
+            </a:r>
+            <a:r>
+              <a:rPr lang="nl-NL" dirty="0" err="1">
+                <a:solidFill>
+                  <a:srgbClr val="2B91AF"/>
+                </a:solidFill>
+                <a:highlight>
+                  <a:srgbClr val="FFFFFF"/>
+                </a:highlight>
+                <a:latin typeface="Consolas" panose="020B0609020204030204" pitchFamily="49" charset="0"/>
+              </a:rPr>
+              <a:t>BigInteger</a:t>
+            </a:r>
+            <a:r>
+              <a:rPr lang="nl-NL" dirty="0">
+                <a:solidFill>
+                  <a:srgbClr val="000000"/>
+                </a:solidFill>
+                <a:highlight>
+                  <a:srgbClr val="FFFFFF"/>
+                </a:highlight>
+                <a:latin typeface="Consolas" panose="020B0609020204030204" pitchFamily="49" charset="0"/>
+              </a:rPr>
+              <a:t> Factorial(</a:t>
+            </a:r>
+            <a:r>
+              <a:rPr lang="nl-NL" dirty="0">
+                <a:solidFill>
+                  <a:srgbClr val="0000FF"/>
+                </a:solidFill>
+                <a:highlight>
+                  <a:srgbClr val="FFFFFF"/>
+                </a:highlight>
+                <a:latin typeface="Consolas" panose="020B0609020204030204" pitchFamily="49" charset="0"/>
+              </a:rPr>
+              <a:t>int</a:t>
+            </a:r>
+            <a:r>
+              <a:rPr lang="nl-NL" dirty="0">
+                <a:solidFill>
+                  <a:srgbClr val="000000"/>
+                </a:solidFill>
+                <a:highlight>
+                  <a:srgbClr val="FFFFFF"/>
+                </a:highlight>
+                <a:latin typeface="Consolas" panose="020B0609020204030204" pitchFamily="49" charset="0"/>
+              </a:rPr>
+              <a:t> x)</a:t>
+            </a:r>
+          </a:p>
+          <a:p>
+            <a:r>
+              <a:rPr lang="nl-NL" dirty="0" smtClean="0">
+                <a:solidFill>
+                  <a:srgbClr val="000000"/>
+                </a:solidFill>
+                <a:highlight>
+                  <a:srgbClr val="FFFFFF"/>
+                </a:highlight>
+                <a:latin typeface="Consolas" panose="020B0609020204030204" pitchFamily="49" charset="0"/>
+              </a:rPr>
+              <a:t>{</a:t>
+            </a:r>
+            <a:endParaRPr lang="nl-NL" dirty="0">
+              <a:solidFill>
+                <a:srgbClr val="000000"/>
+              </a:solidFill>
+              <a:highlight>
+                <a:srgbClr val="FFFFFF"/>
+              </a:highlight>
+              <a:latin typeface="Consolas" panose="020B0609020204030204" pitchFamily="49" charset="0"/>
+            </a:endParaRPr>
+          </a:p>
+          <a:p>
+            <a:r>
+              <a:rPr lang="nl-NL" dirty="0" smtClean="0">
+                <a:solidFill>
+                  <a:srgbClr val="0000FF"/>
+                </a:solidFill>
+                <a:highlight>
+                  <a:srgbClr val="FFFFFF"/>
+                </a:highlight>
+                <a:latin typeface="Consolas" panose="020B0609020204030204" pitchFamily="49" charset="0"/>
+              </a:rPr>
+              <a:t>	</a:t>
+            </a:r>
+            <a:r>
+              <a:rPr lang="nl-NL" dirty="0" err="1" smtClean="0">
+                <a:solidFill>
+                  <a:srgbClr val="0000FF"/>
+                </a:solidFill>
+                <a:highlight>
+                  <a:srgbClr val="FFFFFF"/>
+                </a:highlight>
+                <a:latin typeface="Consolas" panose="020B0609020204030204" pitchFamily="49" charset="0"/>
+              </a:rPr>
+              <a:t>if</a:t>
+            </a:r>
+            <a:r>
+              <a:rPr lang="nl-NL" dirty="0" smtClean="0">
+                <a:solidFill>
+                  <a:srgbClr val="000000"/>
+                </a:solidFill>
+                <a:highlight>
+                  <a:srgbClr val="FFFFFF"/>
+                </a:highlight>
+                <a:latin typeface="Consolas" panose="020B0609020204030204" pitchFamily="49" charset="0"/>
+              </a:rPr>
+              <a:t> </a:t>
+            </a:r>
+            <a:r>
+              <a:rPr lang="nl-NL" dirty="0">
+                <a:solidFill>
+                  <a:srgbClr val="000000"/>
+                </a:solidFill>
+                <a:highlight>
+                  <a:srgbClr val="FFFFFF"/>
+                </a:highlight>
+                <a:latin typeface="Consolas" panose="020B0609020204030204" pitchFamily="49" charset="0"/>
+              </a:rPr>
+              <a:t>(x == 0)</a:t>
+            </a:r>
+          </a:p>
+          <a:p>
+            <a:r>
+              <a:rPr lang="nl-NL" dirty="0">
+                <a:solidFill>
+                  <a:srgbClr val="000000"/>
+                </a:solidFill>
+                <a:highlight>
+                  <a:srgbClr val="FFFFFF"/>
+                </a:highlight>
+                <a:latin typeface="Consolas" panose="020B0609020204030204" pitchFamily="49" charset="0"/>
+              </a:rPr>
+              <a:t>       </a:t>
+            </a:r>
+            <a:r>
+              <a:rPr lang="nl-NL" dirty="0" smtClean="0">
+                <a:solidFill>
+                  <a:srgbClr val="000000"/>
+                </a:solidFill>
+                <a:highlight>
+                  <a:srgbClr val="FFFFFF"/>
+                </a:highlight>
+                <a:latin typeface="Consolas" panose="020B0609020204030204" pitchFamily="49" charset="0"/>
+              </a:rPr>
+              <a:t>		</a:t>
+            </a:r>
+            <a:r>
+              <a:rPr lang="nl-NL" dirty="0" smtClean="0">
+                <a:solidFill>
+                  <a:srgbClr val="0000FF"/>
+                </a:solidFill>
+                <a:highlight>
+                  <a:srgbClr val="FFFFFF"/>
+                </a:highlight>
+                <a:latin typeface="Consolas" panose="020B0609020204030204" pitchFamily="49" charset="0"/>
+              </a:rPr>
+              <a:t>return</a:t>
+            </a:r>
+            <a:r>
+              <a:rPr lang="nl-NL" dirty="0" smtClean="0">
+                <a:solidFill>
+                  <a:srgbClr val="000000"/>
+                </a:solidFill>
+                <a:highlight>
+                  <a:srgbClr val="FFFFFF"/>
+                </a:highlight>
+                <a:latin typeface="Consolas" panose="020B0609020204030204" pitchFamily="49" charset="0"/>
+              </a:rPr>
+              <a:t> </a:t>
+            </a:r>
+            <a:r>
+              <a:rPr lang="nl-NL" dirty="0">
+                <a:solidFill>
+                  <a:srgbClr val="000000"/>
+                </a:solidFill>
+                <a:highlight>
+                  <a:srgbClr val="FFFFFF"/>
+                </a:highlight>
+                <a:latin typeface="Consolas" panose="020B0609020204030204" pitchFamily="49" charset="0"/>
+              </a:rPr>
+              <a:t>1;</a:t>
+            </a:r>
+          </a:p>
+          <a:p>
+            <a:r>
+              <a:rPr lang="nl-NL" dirty="0">
+                <a:solidFill>
+                  <a:srgbClr val="000000"/>
+                </a:solidFill>
+                <a:highlight>
+                  <a:srgbClr val="FFFFFF"/>
+                </a:highlight>
+                <a:latin typeface="Consolas" panose="020B0609020204030204" pitchFamily="49" charset="0"/>
+              </a:rPr>
+              <a:t>       </a:t>
+            </a:r>
+            <a:r>
+              <a:rPr lang="nl-NL" dirty="0" smtClean="0">
+                <a:solidFill>
+                  <a:srgbClr val="0000FF"/>
+                </a:solidFill>
+                <a:highlight>
+                  <a:srgbClr val="FFFFFF"/>
+                </a:highlight>
+                <a:latin typeface="Consolas" panose="020B0609020204030204" pitchFamily="49" charset="0"/>
+              </a:rPr>
+              <a:t>return</a:t>
+            </a:r>
+            <a:r>
+              <a:rPr lang="nl-NL" dirty="0" smtClean="0">
+                <a:solidFill>
+                  <a:srgbClr val="000000"/>
+                </a:solidFill>
+                <a:highlight>
+                  <a:srgbClr val="FFFFFF"/>
+                </a:highlight>
+                <a:latin typeface="Consolas" panose="020B0609020204030204" pitchFamily="49" charset="0"/>
+              </a:rPr>
+              <a:t> </a:t>
+            </a:r>
+            <a:r>
+              <a:rPr lang="nl-NL" dirty="0">
+                <a:solidFill>
+                  <a:srgbClr val="000000"/>
+                </a:solidFill>
+                <a:highlight>
+                  <a:srgbClr val="FFFFFF"/>
+                </a:highlight>
+                <a:latin typeface="Consolas" panose="020B0609020204030204" pitchFamily="49" charset="0"/>
+              </a:rPr>
+              <a:t>x * Factorial(x - 1);</a:t>
+            </a:r>
+          </a:p>
+          <a:p>
+            <a:r>
+              <a:rPr lang="nl-NL" dirty="0" smtClean="0">
+                <a:solidFill>
+                  <a:srgbClr val="000000"/>
+                </a:solidFill>
+                <a:highlight>
+                  <a:srgbClr val="FFFFFF"/>
+                </a:highlight>
+                <a:latin typeface="Consolas" panose="020B0609020204030204" pitchFamily="49" charset="0"/>
+              </a:rPr>
+              <a:t>}</a:t>
+            </a:r>
+            <a:endParaRPr lang="nl-NL" dirty="0"/>
+          </a:p>
+        </p:txBody>
+      </p:sp>
+      <p:sp>
+        <p:nvSpPr>
+          <p:cNvPr id="16" name="Rectangle 15"/>
+          <p:cNvSpPr/>
+          <p:nvPr/>
+        </p:nvSpPr>
+        <p:spPr>
+          <a:xfrm>
+            <a:off x="5469354" y="1545284"/>
+            <a:ext cx="5363426" cy="3693319"/>
+          </a:xfrm>
+          <a:prstGeom prst="rect">
+            <a:avLst/>
+          </a:prstGeom>
+        </p:spPr>
+        <p:txBody>
+          <a:bodyPr wrap="square">
+            <a:spAutoFit/>
+          </a:bodyPr>
+          <a:lstStyle/>
+          <a:p>
+            <a:r>
+              <a:rPr lang="nl-NL" dirty="0" smtClean="0">
+                <a:solidFill>
+                  <a:srgbClr val="000000"/>
+                </a:solidFill>
+                <a:highlight>
+                  <a:srgbClr val="FFFFFF"/>
+                </a:highlight>
+                <a:latin typeface="Consolas" panose="020B0609020204030204" pitchFamily="49" charset="0"/>
+              </a:rPr>
+              <a:t>Factorial(x = </a:t>
+            </a:r>
+            <a:r>
+              <a:rPr lang="nl-NL" dirty="0" smtClean="0">
+                <a:solidFill>
+                  <a:srgbClr val="0000FF"/>
+                </a:solidFill>
+                <a:highlight>
+                  <a:srgbClr val="FFFFFF"/>
+                </a:highlight>
+                <a:latin typeface="Consolas" panose="020B0609020204030204" pitchFamily="49" charset="0"/>
+              </a:rPr>
+              <a:t>3</a:t>
+            </a:r>
+            <a:r>
+              <a:rPr lang="nl-NL" dirty="0" smtClean="0">
+                <a:solidFill>
+                  <a:srgbClr val="000000"/>
+                </a:solidFill>
+                <a:highlight>
+                  <a:srgbClr val="FFFFFF"/>
+                </a:highlight>
+                <a:latin typeface="Consolas" panose="020B0609020204030204" pitchFamily="49" charset="0"/>
+              </a:rPr>
+              <a:t>)</a:t>
+            </a:r>
+            <a:endParaRPr lang="nl-NL" dirty="0">
+              <a:solidFill>
+                <a:srgbClr val="000000"/>
+              </a:solidFill>
+              <a:highlight>
+                <a:srgbClr val="FFFFFF"/>
+              </a:highlight>
+              <a:latin typeface="Consolas" panose="020B0609020204030204" pitchFamily="49" charset="0"/>
+            </a:endParaRPr>
+          </a:p>
+          <a:p>
+            <a:r>
+              <a:rPr lang="nl-NL" dirty="0" smtClean="0">
+                <a:solidFill>
+                  <a:srgbClr val="000000"/>
+                </a:solidFill>
+                <a:highlight>
+                  <a:srgbClr val="FFFFFF"/>
+                </a:highlight>
+                <a:latin typeface="Consolas" panose="020B0609020204030204" pitchFamily="49" charset="0"/>
+              </a:rPr>
+              <a:t>    (x != </a:t>
+            </a:r>
+            <a:r>
+              <a:rPr lang="nl-NL" dirty="0">
+                <a:solidFill>
+                  <a:srgbClr val="000000"/>
+                </a:solidFill>
+                <a:highlight>
+                  <a:srgbClr val="FFFFFF"/>
+                </a:highlight>
+                <a:latin typeface="Consolas" panose="020B0609020204030204" pitchFamily="49" charset="0"/>
+              </a:rPr>
+              <a:t>0)</a:t>
+            </a:r>
+          </a:p>
+          <a:p>
+            <a:r>
+              <a:rPr lang="nl-NL" dirty="0" smtClean="0">
+                <a:solidFill>
+                  <a:srgbClr val="000000"/>
+                </a:solidFill>
+                <a:highlight>
+                  <a:srgbClr val="FFFFFF"/>
+                </a:highlight>
+                <a:latin typeface="Consolas" panose="020B0609020204030204" pitchFamily="49" charset="0"/>
+              </a:rPr>
+              <a:t>    </a:t>
+            </a:r>
+            <a:r>
+              <a:rPr lang="nl-NL" dirty="0" smtClean="0">
+                <a:solidFill>
+                  <a:srgbClr val="0000FF"/>
+                </a:solidFill>
+                <a:highlight>
+                  <a:srgbClr val="FFFFFF"/>
+                </a:highlight>
+                <a:latin typeface="Consolas" panose="020B0609020204030204" pitchFamily="49" charset="0"/>
+              </a:rPr>
+              <a:t>return</a:t>
+            </a:r>
+            <a:r>
+              <a:rPr lang="nl-NL" dirty="0" smtClean="0">
+                <a:solidFill>
+                  <a:srgbClr val="000000"/>
+                </a:solidFill>
+                <a:highlight>
+                  <a:srgbClr val="FFFFFF"/>
+                </a:highlight>
+                <a:latin typeface="Consolas" panose="020B0609020204030204" pitchFamily="49" charset="0"/>
+              </a:rPr>
+              <a:t> 3 </a:t>
+            </a:r>
+            <a:r>
+              <a:rPr lang="nl-NL" dirty="0">
+                <a:solidFill>
+                  <a:srgbClr val="000000"/>
+                </a:solidFill>
+                <a:highlight>
+                  <a:srgbClr val="FFFFFF"/>
+                </a:highlight>
+                <a:latin typeface="Consolas" panose="020B0609020204030204" pitchFamily="49" charset="0"/>
+              </a:rPr>
+              <a:t>* </a:t>
+            </a:r>
+            <a:r>
+              <a:rPr lang="nl-NL" dirty="0" smtClean="0">
+                <a:solidFill>
+                  <a:srgbClr val="000000"/>
+                </a:solidFill>
+                <a:highlight>
+                  <a:srgbClr val="FFFFFF"/>
+                </a:highlight>
+                <a:latin typeface="Consolas" panose="020B0609020204030204" pitchFamily="49" charset="0"/>
+              </a:rPr>
+              <a:t>Factorial(x = 2);</a:t>
+            </a:r>
+          </a:p>
+          <a:p>
+            <a:r>
+              <a:rPr lang="nl-NL" dirty="0" smtClean="0">
+                <a:solidFill>
+                  <a:srgbClr val="000000"/>
+                </a:solidFill>
+                <a:highlight>
+                  <a:srgbClr val="FFFFFF"/>
+                </a:highlight>
+                <a:latin typeface="Consolas" panose="020B0609020204030204" pitchFamily="49" charset="0"/>
+              </a:rPr>
+              <a:t>        (</a:t>
+            </a:r>
+            <a:r>
+              <a:rPr lang="nl-NL" dirty="0">
+                <a:solidFill>
+                  <a:srgbClr val="000000"/>
+                </a:solidFill>
+                <a:highlight>
+                  <a:srgbClr val="FFFFFF"/>
+                </a:highlight>
+                <a:latin typeface="Consolas" panose="020B0609020204030204" pitchFamily="49" charset="0"/>
+              </a:rPr>
+              <a:t>x != 0)</a:t>
+            </a:r>
+          </a:p>
+          <a:p>
+            <a:r>
+              <a:rPr lang="nl-NL" dirty="0" smtClean="0">
+                <a:solidFill>
+                  <a:srgbClr val="0000FF"/>
+                </a:solidFill>
+                <a:highlight>
+                  <a:srgbClr val="FFFFFF"/>
+                </a:highlight>
+                <a:latin typeface="Consolas" panose="020B0609020204030204" pitchFamily="49" charset="0"/>
+              </a:rPr>
+              <a:t>        return</a:t>
+            </a:r>
+            <a:r>
+              <a:rPr lang="nl-NL" dirty="0" smtClean="0">
+                <a:solidFill>
+                  <a:srgbClr val="000000"/>
+                </a:solidFill>
+                <a:highlight>
+                  <a:srgbClr val="FFFFFF"/>
+                </a:highlight>
+                <a:latin typeface="Consolas" panose="020B0609020204030204" pitchFamily="49" charset="0"/>
+              </a:rPr>
+              <a:t> 2 </a:t>
+            </a:r>
+            <a:r>
+              <a:rPr lang="nl-NL" dirty="0">
+                <a:solidFill>
+                  <a:srgbClr val="000000"/>
+                </a:solidFill>
+                <a:highlight>
+                  <a:srgbClr val="FFFFFF"/>
+                </a:highlight>
+                <a:latin typeface="Consolas" panose="020B0609020204030204" pitchFamily="49" charset="0"/>
+              </a:rPr>
+              <a:t>* </a:t>
+            </a:r>
+            <a:r>
+              <a:rPr lang="nl-NL" dirty="0" smtClean="0">
+                <a:solidFill>
+                  <a:srgbClr val="000000"/>
+                </a:solidFill>
+                <a:highlight>
+                  <a:srgbClr val="FFFFFF"/>
+                </a:highlight>
+                <a:latin typeface="Consolas" panose="020B0609020204030204" pitchFamily="49" charset="0"/>
+              </a:rPr>
+              <a:t>Factorial(x = 1);</a:t>
+            </a:r>
+          </a:p>
+          <a:p>
+            <a:r>
+              <a:rPr lang="nl-NL" dirty="0" smtClean="0">
+                <a:solidFill>
+                  <a:srgbClr val="000000"/>
+                </a:solidFill>
+                <a:highlight>
+                  <a:srgbClr val="FFFFFF"/>
+                </a:highlight>
+                <a:latin typeface="Consolas" panose="020B0609020204030204" pitchFamily="49" charset="0"/>
+              </a:rPr>
+              <a:t>            (</a:t>
+            </a:r>
+            <a:r>
+              <a:rPr lang="nl-NL" dirty="0">
+                <a:solidFill>
+                  <a:srgbClr val="000000"/>
+                </a:solidFill>
+                <a:highlight>
+                  <a:srgbClr val="FFFFFF"/>
+                </a:highlight>
+                <a:latin typeface="Consolas" panose="020B0609020204030204" pitchFamily="49" charset="0"/>
+              </a:rPr>
+              <a:t>x != 0)</a:t>
+            </a:r>
+          </a:p>
+          <a:p>
+            <a:r>
+              <a:rPr lang="nl-NL" dirty="0" smtClean="0">
+                <a:solidFill>
+                  <a:srgbClr val="0000FF"/>
+                </a:solidFill>
+                <a:highlight>
+                  <a:srgbClr val="FFFFFF"/>
+                </a:highlight>
+                <a:latin typeface="Consolas" panose="020B0609020204030204" pitchFamily="49" charset="0"/>
+              </a:rPr>
+              <a:t>            </a:t>
+            </a:r>
+            <a:r>
+              <a:rPr lang="nl-NL" dirty="0">
+                <a:solidFill>
+                  <a:srgbClr val="0000FF"/>
+                </a:solidFill>
+                <a:highlight>
+                  <a:srgbClr val="FFFFFF"/>
+                </a:highlight>
+                <a:latin typeface="Consolas" panose="020B0609020204030204" pitchFamily="49" charset="0"/>
+              </a:rPr>
+              <a:t>return</a:t>
+            </a:r>
+            <a:r>
+              <a:rPr lang="nl-NL" dirty="0">
+                <a:solidFill>
+                  <a:srgbClr val="000000"/>
+                </a:solidFill>
+                <a:highlight>
+                  <a:srgbClr val="FFFFFF"/>
+                </a:highlight>
+                <a:latin typeface="Consolas" panose="020B0609020204030204" pitchFamily="49" charset="0"/>
+              </a:rPr>
+              <a:t> 1 * </a:t>
+            </a:r>
+            <a:r>
+              <a:rPr lang="nl-NL" dirty="0" smtClean="0">
+                <a:solidFill>
+                  <a:srgbClr val="000000"/>
+                </a:solidFill>
+                <a:highlight>
+                  <a:srgbClr val="FFFFFF"/>
+                </a:highlight>
+                <a:latin typeface="Consolas" panose="020B0609020204030204" pitchFamily="49" charset="0"/>
+              </a:rPr>
+              <a:t>Factorial(x = 1);</a:t>
+            </a:r>
+          </a:p>
+          <a:p>
+            <a:r>
+              <a:rPr lang="nl-NL" dirty="0">
+                <a:solidFill>
+                  <a:srgbClr val="000000"/>
+                </a:solidFill>
+                <a:highlight>
+                  <a:srgbClr val="FFFFFF"/>
+                </a:highlight>
+                <a:latin typeface="Consolas" panose="020B0609020204030204" pitchFamily="49" charset="0"/>
+              </a:rPr>
+              <a:t> </a:t>
+            </a:r>
+            <a:r>
+              <a:rPr lang="nl-NL" dirty="0" smtClean="0">
+                <a:solidFill>
+                  <a:srgbClr val="000000"/>
+                </a:solidFill>
+                <a:highlight>
+                  <a:srgbClr val="FFFFFF"/>
+                </a:highlight>
+                <a:latin typeface="Consolas" panose="020B0609020204030204" pitchFamily="49" charset="0"/>
+              </a:rPr>
+              <a:t>                (x == 0)</a:t>
+            </a:r>
+            <a:endParaRPr lang="nl-NL" dirty="0">
+              <a:solidFill>
+                <a:srgbClr val="000000"/>
+              </a:solidFill>
+              <a:highlight>
+                <a:srgbClr val="FFFFFF"/>
+              </a:highlight>
+              <a:latin typeface="Consolas" panose="020B0609020204030204" pitchFamily="49" charset="0"/>
+            </a:endParaRPr>
+          </a:p>
+          <a:p>
+            <a:r>
+              <a:rPr lang="nl-NL" dirty="0">
+                <a:solidFill>
+                  <a:srgbClr val="000000"/>
+                </a:solidFill>
+                <a:highlight>
+                  <a:srgbClr val="FFFFFF"/>
+                </a:highlight>
+                <a:latin typeface="Consolas" panose="020B0609020204030204" pitchFamily="49" charset="0"/>
+              </a:rPr>
+              <a:t>        </a:t>
+            </a:r>
+            <a:r>
+              <a:rPr lang="nl-NL" dirty="0" smtClean="0">
+                <a:solidFill>
+                  <a:srgbClr val="000000"/>
+                </a:solidFill>
+                <a:highlight>
+                  <a:srgbClr val="FFFFFF"/>
+                </a:highlight>
+                <a:latin typeface="Consolas" panose="020B0609020204030204" pitchFamily="49" charset="0"/>
+              </a:rPr>
+              <a:t>         </a:t>
+            </a:r>
+            <a:r>
+              <a:rPr lang="nl-NL" dirty="0">
+                <a:solidFill>
+                  <a:srgbClr val="0000FF"/>
+                </a:solidFill>
+                <a:highlight>
+                  <a:srgbClr val="FFFFFF"/>
+                </a:highlight>
+                <a:latin typeface="Consolas" panose="020B0609020204030204" pitchFamily="49" charset="0"/>
+              </a:rPr>
+              <a:t>return</a:t>
+            </a:r>
+            <a:r>
+              <a:rPr lang="nl-NL" dirty="0" smtClean="0">
+                <a:solidFill>
+                  <a:srgbClr val="000000"/>
+                </a:solidFill>
+                <a:highlight>
+                  <a:srgbClr val="FFFFFF"/>
+                </a:highlight>
+                <a:latin typeface="Consolas" panose="020B0609020204030204" pitchFamily="49" charset="0"/>
+              </a:rPr>
+              <a:t> 1</a:t>
+            </a:r>
+          </a:p>
+          <a:p>
+            <a:r>
+              <a:rPr lang="nl-NL" dirty="0">
+                <a:solidFill>
+                  <a:srgbClr val="000000"/>
+                </a:solidFill>
+                <a:highlight>
+                  <a:srgbClr val="FFFFFF"/>
+                </a:highlight>
+                <a:latin typeface="Consolas" panose="020B0609020204030204" pitchFamily="49" charset="0"/>
+              </a:rPr>
+              <a:t> </a:t>
+            </a:r>
+            <a:r>
+              <a:rPr lang="nl-NL" dirty="0" smtClean="0">
+                <a:solidFill>
+                  <a:srgbClr val="000000"/>
+                </a:solidFill>
+                <a:highlight>
+                  <a:srgbClr val="FFFFFF"/>
+                </a:highlight>
+                <a:latin typeface="Consolas" panose="020B0609020204030204" pitchFamily="49" charset="0"/>
+              </a:rPr>
+              <a:t>           </a:t>
+            </a:r>
+            <a:r>
+              <a:rPr lang="nl-NL" dirty="0" smtClean="0">
+                <a:solidFill>
+                  <a:srgbClr val="0000FF"/>
+                </a:solidFill>
+                <a:highlight>
+                  <a:srgbClr val="FFFFFF"/>
+                </a:highlight>
+                <a:latin typeface="Consolas" panose="020B0609020204030204" pitchFamily="49" charset="0"/>
+              </a:rPr>
+              <a:t>return</a:t>
+            </a:r>
+            <a:r>
+              <a:rPr lang="nl-NL" dirty="0" smtClean="0">
+                <a:solidFill>
+                  <a:srgbClr val="000000"/>
+                </a:solidFill>
+                <a:highlight>
+                  <a:srgbClr val="FFFFFF"/>
+                </a:highlight>
+                <a:latin typeface="Consolas" panose="020B0609020204030204" pitchFamily="49" charset="0"/>
+              </a:rPr>
+              <a:t> 1 * 1 = 1</a:t>
+            </a:r>
+          </a:p>
+          <a:p>
+            <a:r>
+              <a:rPr lang="nl-NL" dirty="0">
+                <a:solidFill>
+                  <a:srgbClr val="000000"/>
+                </a:solidFill>
+                <a:highlight>
+                  <a:srgbClr val="FFFFFF"/>
+                </a:highlight>
+                <a:latin typeface="Consolas" panose="020B0609020204030204" pitchFamily="49" charset="0"/>
+              </a:rPr>
+              <a:t> </a:t>
+            </a:r>
+            <a:r>
+              <a:rPr lang="nl-NL" dirty="0" smtClean="0">
+                <a:solidFill>
+                  <a:srgbClr val="000000"/>
+                </a:solidFill>
+                <a:highlight>
+                  <a:srgbClr val="FFFFFF"/>
+                </a:highlight>
+                <a:latin typeface="Consolas" panose="020B0609020204030204" pitchFamily="49" charset="0"/>
+              </a:rPr>
+              <a:t>       </a:t>
+            </a:r>
+            <a:r>
+              <a:rPr lang="nl-NL" dirty="0">
+                <a:solidFill>
+                  <a:srgbClr val="0000FF"/>
+                </a:solidFill>
+                <a:highlight>
+                  <a:srgbClr val="FFFFFF"/>
+                </a:highlight>
+                <a:latin typeface="Consolas" panose="020B0609020204030204" pitchFamily="49" charset="0"/>
+              </a:rPr>
+              <a:t>return</a:t>
+            </a:r>
+            <a:r>
+              <a:rPr lang="nl-NL" dirty="0" smtClean="0">
+                <a:solidFill>
+                  <a:srgbClr val="000000"/>
+                </a:solidFill>
+                <a:highlight>
+                  <a:srgbClr val="FFFFFF"/>
+                </a:highlight>
+                <a:latin typeface="Consolas" panose="020B0609020204030204" pitchFamily="49" charset="0"/>
+              </a:rPr>
+              <a:t> 2 * 1 = 2</a:t>
+            </a:r>
+          </a:p>
+          <a:p>
+            <a:r>
+              <a:rPr lang="nl-NL" dirty="0">
+                <a:solidFill>
+                  <a:srgbClr val="000000"/>
+                </a:solidFill>
+                <a:highlight>
+                  <a:srgbClr val="FFFFFF"/>
+                </a:highlight>
+                <a:latin typeface="Consolas" panose="020B0609020204030204" pitchFamily="49" charset="0"/>
+              </a:rPr>
+              <a:t> </a:t>
+            </a:r>
+            <a:r>
+              <a:rPr lang="nl-NL" dirty="0" smtClean="0">
+                <a:solidFill>
+                  <a:srgbClr val="000000"/>
+                </a:solidFill>
+                <a:highlight>
+                  <a:srgbClr val="FFFFFF"/>
+                </a:highlight>
+                <a:latin typeface="Consolas" panose="020B0609020204030204" pitchFamily="49" charset="0"/>
+              </a:rPr>
+              <a:t>    </a:t>
+            </a:r>
+            <a:r>
+              <a:rPr lang="nl-NL" dirty="0">
+                <a:solidFill>
+                  <a:srgbClr val="0000FF"/>
+                </a:solidFill>
+                <a:highlight>
+                  <a:srgbClr val="FFFFFF"/>
+                </a:highlight>
+                <a:latin typeface="Consolas" panose="020B0609020204030204" pitchFamily="49" charset="0"/>
+              </a:rPr>
+              <a:t>return</a:t>
+            </a:r>
+            <a:r>
+              <a:rPr lang="nl-NL" dirty="0" smtClean="0">
+                <a:solidFill>
+                  <a:srgbClr val="000000"/>
+                </a:solidFill>
+                <a:highlight>
+                  <a:srgbClr val="FFFFFF"/>
+                </a:highlight>
+                <a:latin typeface="Consolas" panose="020B0609020204030204" pitchFamily="49" charset="0"/>
+              </a:rPr>
+              <a:t> 3 * 2 = 6</a:t>
+            </a:r>
+          </a:p>
+          <a:p>
+            <a:r>
+              <a:rPr lang="nl-NL" b="1" dirty="0" err="1">
+                <a:solidFill>
+                  <a:srgbClr val="0000FF"/>
+                </a:solidFill>
+                <a:highlight>
+                  <a:srgbClr val="FFFFFF"/>
+                </a:highlight>
+                <a:latin typeface="Consolas" panose="020B0609020204030204" pitchFamily="49" charset="0"/>
+              </a:rPr>
+              <a:t>result</a:t>
+            </a:r>
+            <a:r>
+              <a:rPr lang="nl-NL" b="1" dirty="0">
+                <a:solidFill>
+                  <a:srgbClr val="000000"/>
+                </a:solidFill>
+                <a:highlight>
+                  <a:srgbClr val="FFFFFF"/>
+                </a:highlight>
+                <a:latin typeface="Consolas" panose="020B0609020204030204" pitchFamily="49" charset="0"/>
+              </a:rPr>
+              <a:t> </a:t>
+            </a:r>
+            <a:r>
+              <a:rPr lang="nl-NL" b="1" dirty="0" smtClean="0">
+                <a:solidFill>
+                  <a:srgbClr val="000000"/>
+                </a:solidFill>
+                <a:highlight>
+                  <a:srgbClr val="FFFFFF"/>
+                </a:highlight>
+                <a:latin typeface="Consolas" panose="020B0609020204030204" pitchFamily="49" charset="0"/>
+              </a:rPr>
+              <a:t>= 6</a:t>
+            </a:r>
+            <a:endParaRPr lang="nl-NL" b="1" dirty="0"/>
+          </a:p>
+        </p:txBody>
+      </p:sp>
+    </p:spTree>
+    <p:extLst>
+      <p:ext uri="{BB962C8B-B14F-4D97-AF65-F5344CB8AC3E}">
+        <p14:creationId xmlns:p14="http://schemas.microsoft.com/office/powerpoint/2010/main" val="599748808"/>
+      </p:ext>
+    </p:extLst>
+  </p:cSld>
+  <p:clrMapOvr>
+    <a:masterClrMapping/>
+  </p:clrMapOvr>
+  <p:timing>
+    <p:tnLst>
+      <p:par>
+        <p:cTn id="1" dur="indefinite" restart="never" nodeType="tmRoot">
+          <p:childTnLst>
+            <p:seq concurrent="1" nextAc="seek">
+              <p:cTn id="2" dur="indefinite" nodeType="mainSeq">
+                <p:childTnLst>
+                  <p:par>
+                    <p:cTn id="3" fill="hold">
+                      <p:stCondLst>
+                        <p:cond delay="indefinite"/>
+                      </p:stCondLst>
+                      <p:childTnLst>
+                        <p:par>
+                          <p:cTn id="4" fill="hold">
+                            <p:stCondLst>
+                              <p:cond delay="0"/>
+                            </p:stCondLst>
+                            <p:childTnLst>
+                              <p:par>
+                                <p:cTn id="5" presetID="1" presetClass="entr" presetSubtype="0" fill="hold" grpId="0" nodeType="clickEffect">
+                                  <p:stCondLst>
+                                    <p:cond delay="0"/>
+                                  </p:stCondLst>
+                                  <p:childTnLst>
+                                    <p:set>
+                                      <p:cBhvr>
+                                        <p:cTn id="6" dur="1" fill="hold">
+                                          <p:stCondLst>
+                                            <p:cond delay="0"/>
+                                          </p:stCondLst>
+                                        </p:cTn>
+                                        <p:tgtEl>
+                                          <p:spTgt spid="16"/>
+                                        </p:tgtEl>
+                                        <p:attrNameLst>
+                                          <p:attrName>style.visibility</p:attrName>
+                                        </p:attrNameLst>
+                                      </p:cBhvr>
+                                      <p:to>
+                                        <p:strVal val="visible"/>
+                                      </p:to>
+                                    </p:set>
+                                  </p:childTnLst>
+                                </p:cTn>
+                              </p:par>
+                            </p:childTnLst>
+                          </p:cTn>
+                        </p:par>
+                      </p:childTnLst>
+                    </p:cTn>
+                  </p:par>
+                </p:childTnLst>
+              </p:cTn>
+              <p:prevCondLst>
+                <p:cond evt="onPrev" delay="0">
+                  <p:tgtEl>
+                    <p:sldTgt/>
+                  </p:tgtEl>
+                </p:cond>
+              </p:prevCondLst>
+              <p:nextCondLst>
+                <p:cond evt="onNext" delay="0">
+                  <p:tgtEl>
+                    <p:sldTgt/>
+                  </p:tgtEl>
+                </p:cond>
+              </p:nextCondLst>
+            </p:seq>
+          </p:childTnLst>
+        </p:cTn>
+      </p:par>
+    </p:tnLst>
+    <p:bldLst>
+      <p:bldP spid="16" grpId="0"/>
+    </p:bldLst>
+  </p:timing>
+</p:sld>
+</file>
+
+<file path=ppt/slides/slide12.xml><?xml version="1.0" encoding="utf-8"?>
+<p:sld xmlns:a="http://schemas.openxmlformats.org/drawingml/2006/main" xmlns:r="http://schemas.openxmlformats.org/officeDocument/2006/relationships" xmlns:p="http://schemas.openxmlformats.org/presentationml/2006/main">
+  <p:cSld>
+    <p:spTree>
+      <p:nvGrpSpPr>
+        <p:cNvPr id="1" name=""/>
+        <p:cNvGrpSpPr/>
+        <p:nvPr/>
+      </p:nvGrpSpPr>
+      <p:grpSpPr>
+        <a:xfrm>
+          <a:off x="0" y="0"/>
+          <a:ext cx="0" cy="0"/>
+          <a:chOff x="0" y="0"/>
+          <a:chExt cx="0" cy="0"/>
+        </a:xfrm>
+      </p:grpSpPr>
+      <p:grpSp>
+        <p:nvGrpSpPr>
+          <p:cNvPr id="9" name="Group 8"/>
+          <p:cNvGrpSpPr/>
+          <p:nvPr/>
+        </p:nvGrpSpPr>
+        <p:grpSpPr>
+          <a:xfrm>
+            <a:off x="1592187" y="228811"/>
+            <a:ext cx="7858664" cy="921253"/>
+            <a:chOff x="1069676" y="171661"/>
+            <a:chExt cx="7858664" cy="921253"/>
+          </a:xfrm>
+        </p:grpSpPr>
+        <p:sp>
+          <p:nvSpPr>
+            <p:cNvPr id="4" name="Afgeronde rechthoek 44"/>
+            <p:cNvSpPr/>
+            <p:nvPr/>
+          </p:nvSpPr>
+          <p:spPr>
+            <a:xfrm>
+              <a:off x="1069676" y="171661"/>
+              <a:ext cx="7858664" cy="921253"/>
+            </a:xfrm>
+            <a:prstGeom prst="roundRect">
+              <a:avLst>
+                <a:gd name="adj" fmla="val 42744"/>
+              </a:avLst>
+            </a:prstGeom>
+            <a:solidFill>
+              <a:srgbClr val="E42419"/>
+            </a:solidFill>
+            <a:ln>
+              <a:noFill/>
+            </a:ln>
+            <a:scene3d>
+              <a:camera prst="orthographicFront"/>
+              <a:lightRig rig="threePt" dir="t"/>
+            </a:scene3d>
+            <a:sp3d>
+              <a:bevelT/>
+            </a:sp3d>
+          </p:spPr>
+          <p:style>
+            <a:lnRef idx="2">
+              <a:schemeClr val="accent1">
+                <a:shade val="50000"/>
+              </a:schemeClr>
+            </a:lnRef>
+            <a:fillRef idx="1">
+              <a:schemeClr val="accent1"/>
+            </a:fillRef>
+            <a:effectRef idx="0">
+              <a:schemeClr val="accent1"/>
+            </a:effectRef>
+            <a:fontRef idx="minor">
+              <a:schemeClr val="lt1"/>
+            </a:fontRef>
+          </p:style>
+          <p:txBody>
+            <a:bodyPr anchor="ctr"/>
+            <a:lstStyle/>
+            <a:p>
+              <a:pPr algn="ctr" fontAlgn="auto">
+                <a:spcBef>
+                  <a:spcPts val="0"/>
+                </a:spcBef>
+                <a:spcAft>
+                  <a:spcPts val="0"/>
+                </a:spcAft>
+                <a:defRPr/>
+              </a:pPr>
+              <a:endParaRPr lang="nl-NL"/>
+            </a:p>
+          </p:txBody>
+        </p:sp>
+        <p:grpSp>
+          <p:nvGrpSpPr>
+            <p:cNvPr id="5" name="Group 4"/>
+            <p:cNvGrpSpPr/>
+            <p:nvPr/>
+          </p:nvGrpSpPr>
+          <p:grpSpPr>
+            <a:xfrm>
+              <a:off x="1454590" y="272966"/>
+              <a:ext cx="7240836" cy="656054"/>
+              <a:chOff x="2636410" y="272966"/>
+              <a:chExt cx="6938910" cy="656054"/>
+            </a:xfrm>
+          </p:grpSpPr>
+          <p:sp>
+            <p:nvSpPr>
+              <p:cNvPr id="6" name="Afgeronde rechthoek 90"/>
+              <p:cNvSpPr/>
+              <p:nvPr/>
+            </p:nvSpPr>
+            <p:spPr>
+              <a:xfrm>
+                <a:off x="2636410" y="272966"/>
+                <a:ext cx="6938910" cy="656054"/>
+              </a:xfrm>
+              <a:prstGeom prst="roundRect">
+                <a:avLst>
+                  <a:gd name="adj" fmla="val 42744"/>
+                </a:avLst>
+              </a:prstGeom>
+              <a:solidFill>
+                <a:schemeClr val="bg1"/>
+              </a:solidFill>
+              <a:ln>
+                <a:noFill/>
+              </a:ln>
+              <a:scene3d>
+                <a:camera prst="orthographicFront"/>
+                <a:lightRig rig="threePt" dir="t"/>
+              </a:scene3d>
+              <a:sp3d>
+                <a:bevelT/>
+              </a:sp3d>
+            </p:spPr>
+            <p:style>
+              <a:lnRef idx="2">
+                <a:schemeClr val="accent1">
+                  <a:shade val="50000"/>
+                </a:schemeClr>
+              </a:lnRef>
+              <a:fillRef idx="1">
+                <a:schemeClr val="accent1"/>
+              </a:fillRef>
+              <a:effectRef idx="0">
+                <a:schemeClr val="accent1"/>
+              </a:effectRef>
+              <a:fontRef idx="minor">
+                <a:schemeClr val="lt1"/>
+              </a:fontRef>
+            </p:style>
+            <p:txBody>
+              <a:bodyPr anchor="ctr"/>
+              <a:lstStyle/>
+              <a:p>
+                <a:pPr algn="ctr" fontAlgn="auto">
+                  <a:spcBef>
+                    <a:spcPts val="0"/>
+                  </a:spcBef>
+                  <a:spcAft>
+                    <a:spcPts val="0"/>
+                  </a:spcAft>
+                  <a:defRPr/>
+                </a:pPr>
+                <a:endParaRPr lang="nl-NL"/>
+              </a:p>
+            </p:txBody>
+          </p:sp>
+          <p:sp>
+            <p:nvSpPr>
+              <p:cNvPr id="7" name="Tekstvak 21"/>
+              <p:cNvSpPr txBox="1"/>
+              <p:nvPr/>
+            </p:nvSpPr>
+            <p:spPr>
+              <a:xfrm>
+                <a:off x="4163870" y="297573"/>
+                <a:ext cx="2138707" cy="523220"/>
+              </a:xfrm>
+              <a:prstGeom prst="rect">
+                <a:avLst/>
+              </a:prstGeom>
+              <a:noFill/>
+            </p:spPr>
+            <p:txBody>
+              <a:bodyPr wrap="none">
+                <a:spAutoFit/>
+              </a:bodyPr>
+              <a:lstStyle/>
+              <a:p>
+                <a:pPr algn="ctr" fontAlgn="auto">
+                  <a:spcBef>
+                    <a:spcPts val="0"/>
+                  </a:spcBef>
+                  <a:spcAft>
+                    <a:spcPts val="0"/>
+                  </a:spcAft>
+                  <a:defRPr/>
+                </a:pPr>
+                <a:r>
+                  <a:rPr lang="nl-NL" sz="2800" b="1" dirty="0" err="1" smtClean="0">
+                    <a:effectLst>
+                      <a:outerShdw blurRad="38100" dist="38100" dir="2700000" algn="tl">
+                        <a:srgbClr val="000000">
+                          <a:alpha val="43137"/>
+                        </a:srgbClr>
+                      </a:outerShdw>
+                    </a:effectLst>
+                  </a:rPr>
+                  <a:t>Tail</a:t>
+                </a:r>
+                <a:r>
+                  <a:rPr lang="nl-NL" sz="2800" b="1" dirty="0" smtClean="0">
+                    <a:effectLst>
+                      <a:outerShdw blurRad="38100" dist="38100" dir="2700000" algn="tl">
+                        <a:srgbClr val="000000">
+                          <a:alpha val="43137"/>
+                        </a:srgbClr>
+                      </a:outerShdw>
+                    </a:effectLst>
+                  </a:rPr>
+                  <a:t> </a:t>
+                </a:r>
+                <a:r>
+                  <a:rPr lang="nl-NL" sz="2800" b="1" dirty="0" err="1" smtClean="0">
+                    <a:effectLst>
+                      <a:outerShdw blurRad="38100" dist="38100" dir="2700000" algn="tl">
+                        <a:srgbClr val="000000">
+                          <a:alpha val="43137"/>
+                        </a:srgbClr>
+                      </a:outerShdw>
+                    </a:effectLst>
+                  </a:rPr>
+                  <a:t>Recursion</a:t>
+                </a:r>
+                <a:endParaRPr lang="nl-NL" sz="2800" b="1" dirty="0">
+                  <a:effectLst>
+                    <a:outerShdw blurRad="38100" dist="38100" dir="2700000" algn="tl">
+                      <a:srgbClr val="000000">
+                        <a:alpha val="43137"/>
+                      </a:srgbClr>
+                    </a:outerShdw>
+                  </a:effectLst>
+                  <a:latin typeface="+mn-lt"/>
+                  <a:cs typeface="+mn-cs"/>
+                </a:endParaRPr>
+              </a:p>
+            </p:txBody>
+          </p:sp>
+        </p:grpSp>
+        <p:pic>
+          <p:nvPicPr>
+            <p:cNvPr id="8" name="Picture 5" descr="D:\users\boersmal\Documents\My Pictures\logo\Logo_Sogeti_groot.jpg"/>
+            <p:cNvPicPr>
+              <a:picLocks noChangeAspect="1" noChangeArrowheads="1"/>
+            </p:cNvPicPr>
+            <p:nvPr/>
+          </p:nvPicPr>
+          <p:blipFill>
+            <a:blip r:embed="rId2">
+              <a:extLst>
+                <a:ext uri="{28A0092B-C50C-407E-A947-70E740481C1C}">
+                  <a14:useLocalDpi xmlns:a14="http://schemas.microsoft.com/office/drawing/2010/main" val="0"/>
+                </a:ext>
+              </a:extLst>
+            </a:blip>
+            <a:srcRect/>
+            <a:stretch>
+              <a:fillRect/>
+            </a:stretch>
+          </p:blipFill>
+          <p:spPr bwMode="auto">
+            <a:xfrm>
+              <a:off x="6874175" y="398625"/>
+              <a:ext cx="1657350" cy="357187"/>
+            </a:xfrm>
+            <a:prstGeom prst="rect">
+              <a:avLst/>
+            </a:prstGeom>
+            <a:noFill/>
+            <a:ln>
+              <a:noFill/>
+            </a:ln>
+            <a:extLst>
+              <a:ext uri="{909E8E84-426E-40DD-AFC4-6F175D3DCCD1}">
+                <a14:hiddenFill xmlns:a14="http://schemas.microsoft.com/office/drawing/2010/main">
+                  <a:solidFill>
+                    <a:srgbClr val="FFFFFF"/>
+                  </a:solidFill>
+                </a14:hiddenFill>
+              </a:ext>
+              <a:ext uri="{91240B29-F687-4F45-9708-019B960494DF}">
+                <a14:hiddenLine xmlns:a14="http://schemas.microsoft.com/office/drawing/2010/main" w="9525">
+                  <a:solidFill>
+                    <a:srgbClr val="000000"/>
+                  </a:solidFill>
+                  <a:miter lim="800000"/>
+                  <a:headEnd/>
+                  <a:tailEnd/>
+                </a14:hiddenLine>
+              </a:ext>
+            </a:extLst>
+          </p:spPr>
+        </p:pic>
+      </p:grpSp>
+      <p:sp>
+        <p:nvSpPr>
+          <p:cNvPr id="10" name="Date Placeholder 9"/>
+          <p:cNvSpPr>
+            <a:spLocks noGrp="1"/>
+          </p:cNvSpPr>
+          <p:nvPr>
+            <p:ph type="dt" sz="half" idx="10"/>
+          </p:nvPr>
+        </p:nvSpPr>
+        <p:spPr/>
+        <p:txBody>
+          <a:bodyPr/>
+          <a:lstStyle/>
+          <a:p>
+            <a:fld id="{17B99F1E-636C-481D-A8A7-AD17B57A4529}" type="datetime1">
+              <a:rPr lang="nl-NL" smtClean="0"/>
+              <a:t>27-10-2015</a:t>
+            </a:fld>
+            <a:endParaRPr lang="nl-NL"/>
+          </a:p>
+        </p:txBody>
+      </p:sp>
+      <p:sp>
+        <p:nvSpPr>
+          <p:cNvPr id="11" name="Slide Number Placeholder 10"/>
+          <p:cNvSpPr>
+            <a:spLocks noGrp="1"/>
+          </p:cNvSpPr>
+          <p:nvPr>
+            <p:ph type="sldNum" sz="quarter" idx="12"/>
+          </p:nvPr>
+        </p:nvSpPr>
+        <p:spPr/>
+        <p:txBody>
+          <a:bodyPr/>
+          <a:lstStyle/>
+          <a:p>
+            <a:fld id="{AC3BFB62-7AAE-449C-AD60-6BA91FAD083A}" type="slidenum">
+              <a:rPr lang="nl-NL" smtClean="0"/>
+              <a:t>12</a:t>
+            </a:fld>
+            <a:endParaRPr lang="nl-NL"/>
+          </a:p>
+        </p:txBody>
+      </p:sp>
+      <p:sp>
+        <p:nvSpPr>
+          <p:cNvPr id="12" name="Footer Placeholder 11"/>
+          <p:cNvSpPr>
+            <a:spLocks noGrp="1"/>
+          </p:cNvSpPr>
+          <p:nvPr>
+            <p:ph type="ftr" sz="quarter" idx="11"/>
+          </p:nvPr>
+        </p:nvSpPr>
+        <p:spPr/>
+        <p:txBody>
+          <a:bodyPr/>
+          <a:lstStyle/>
+          <a:p>
+            <a:r>
+              <a:rPr lang="nl-NL" dirty="0"/>
+              <a:t>Sogeti Nederland B.V </a:t>
+            </a:r>
+            <a:r>
+              <a:rPr lang="nl-NL" dirty="0" smtClean="0"/>
+              <a:t>©</a:t>
+            </a:r>
+            <a:endParaRPr lang="nl-NL" dirty="0"/>
+          </a:p>
+        </p:txBody>
+      </p:sp>
+      <p:sp>
+        <p:nvSpPr>
+          <p:cNvPr id="2" name="Rounded Rectangle 1"/>
+          <p:cNvSpPr/>
+          <p:nvPr/>
+        </p:nvSpPr>
+        <p:spPr>
+          <a:xfrm>
+            <a:off x="276225" y="5867400"/>
+            <a:ext cx="828675" cy="325056"/>
+          </a:xfrm>
+          <a:prstGeom prst="roundRect">
+            <a:avLst/>
+          </a:prstGeom>
+        </p:spPr>
+        <p:style>
+          <a:lnRef idx="2">
+            <a:schemeClr val="accent1">
+              <a:shade val="50000"/>
+            </a:schemeClr>
+          </a:lnRef>
+          <a:fillRef idx="1">
+            <a:schemeClr val="accent1"/>
+          </a:fillRef>
+          <a:effectRef idx="0">
+            <a:schemeClr val="accent1"/>
+          </a:effectRef>
+          <a:fontRef idx="minor">
+            <a:schemeClr val="lt1"/>
+          </a:fontRef>
+        </p:style>
+        <p:txBody>
+          <a:bodyPr rtlCol="0" anchor="ctr"/>
+          <a:lstStyle/>
+          <a:p>
+            <a:pPr algn="ctr"/>
+            <a:r>
+              <a:rPr lang="nl-NL" dirty="0" smtClean="0">
+                <a:hlinkClick r:id="rId3" action="ppaction://hlinksldjump"/>
+              </a:rPr>
+              <a:t>BACK</a:t>
+            </a:r>
+            <a:endParaRPr lang="nl-NL" dirty="0"/>
+          </a:p>
+        </p:txBody>
+      </p:sp>
+      <p:sp>
+        <p:nvSpPr>
+          <p:cNvPr id="14" name="Rectangle 13"/>
+          <p:cNvSpPr/>
+          <p:nvPr/>
+        </p:nvSpPr>
+        <p:spPr>
+          <a:xfrm>
+            <a:off x="214992" y="1719666"/>
+            <a:ext cx="7622721" cy="1754326"/>
+          </a:xfrm>
+          <a:prstGeom prst="rect">
+            <a:avLst/>
+          </a:prstGeom>
+        </p:spPr>
+        <p:txBody>
+          <a:bodyPr wrap="square">
+            <a:spAutoFit/>
+          </a:bodyPr>
+          <a:lstStyle/>
+          <a:p>
+            <a:r>
+              <a:rPr lang="en-US" dirty="0">
+                <a:solidFill>
+                  <a:srgbClr val="0000FF"/>
+                </a:solidFill>
+                <a:highlight>
+                  <a:srgbClr val="FFFFFF"/>
+                </a:highlight>
+                <a:latin typeface="Consolas" panose="020B0609020204030204" pitchFamily="49" charset="0"/>
+              </a:rPr>
+              <a:t>public</a:t>
+            </a:r>
+            <a:r>
+              <a:rPr lang="en-US" dirty="0">
+                <a:solidFill>
+                  <a:srgbClr val="000000"/>
+                </a:solidFill>
+                <a:highlight>
+                  <a:srgbClr val="FFFFFF"/>
+                </a:highlight>
+                <a:latin typeface="Consolas" panose="020B0609020204030204" pitchFamily="49" charset="0"/>
+              </a:rPr>
+              <a:t> </a:t>
+            </a:r>
+            <a:r>
+              <a:rPr lang="en-US" dirty="0" err="1">
+                <a:solidFill>
+                  <a:srgbClr val="2B91AF"/>
+                </a:solidFill>
+                <a:highlight>
+                  <a:srgbClr val="FFFFFF"/>
+                </a:highlight>
+                <a:latin typeface="Consolas" panose="020B0609020204030204" pitchFamily="49" charset="0"/>
+              </a:rPr>
+              <a:t>BigInteger</a:t>
+            </a:r>
+            <a:r>
+              <a:rPr lang="en-US" dirty="0">
+                <a:solidFill>
+                  <a:srgbClr val="000000"/>
+                </a:solidFill>
+                <a:highlight>
+                  <a:srgbClr val="FFFFFF"/>
+                </a:highlight>
+                <a:latin typeface="Consolas" panose="020B0609020204030204" pitchFamily="49" charset="0"/>
+              </a:rPr>
+              <a:t> </a:t>
+            </a:r>
+            <a:r>
+              <a:rPr lang="en-US" dirty="0" err="1">
+                <a:solidFill>
+                  <a:srgbClr val="000000"/>
+                </a:solidFill>
+                <a:highlight>
+                  <a:srgbClr val="FFFFFF"/>
+                </a:highlight>
+                <a:latin typeface="Consolas" panose="020B0609020204030204" pitchFamily="49" charset="0"/>
+              </a:rPr>
+              <a:t>FactorialTail</a:t>
+            </a:r>
+            <a:r>
+              <a:rPr lang="en-US" dirty="0">
+                <a:solidFill>
+                  <a:srgbClr val="000000"/>
+                </a:solidFill>
+                <a:highlight>
+                  <a:srgbClr val="FFFFFF"/>
+                </a:highlight>
+                <a:latin typeface="Consolas" panose="020B0609020204030204" pitchFamily="49" charset="0"/>
+              </a:rPr>
+              <a:t>(</a:t>
+            </a:r>
+            <a:r>
+              <a:rPr lang="en-US" dirty="0" err="1">
+                <a:solidFill>
+                  <a:srgbClr val="0000FF"/>
+                </a:solidFill>
+                <a:highlight>
+                  <a:srgbClr val="FFFFFF"/>
+                </a:highlight>
+                <a:latin typeface="Consolas" panose="020B0609020204030204" pitchFamily="49" charset="0"/>
+              </a:rPr>
+              <a:t>int</a:t>
+            </a:r>
+            <a:r>
+              <a:rPr lang="en-US" dirty="0">
+                <a:solidFill>
+                  <a:srgbClr val="000000"/>
+                </a:solidFill>
+                <a:highlight>
+                  <a:srgbClr val="FFFFFF"/>
+                </a:highlight>
+                <a:latin typeface="Consolas" panose="020B0609020204030204" pitchFamily="49" charset="0"/>
+              </a:rPr>
+              <a:t> x, </a:t>
+            </a:r>
+            <a:r>
+              <a:rPr lang="en-US" dirty="0" err="1">
+                <a:solidFill>
+                  <a:srgbClr val="2B91AF"/>
+                </a:solidFill>
+                <a:highlight>
+                  <a:srgbClr val="FFFFFF"/>
+                </a:highlight>
+                <a:latin typeface="Consolas" panose="020B0609020204030204" pitchFamily="49" charset="0"/>
+              </a:rPr>
+              <a:t>BigInteger</a:t>
+            </a:r>
+            <a:r>
+              <a:rPr lang="en-US" dirty="0">
+                <a:solidFill>
+                  <a:srgbClr val="000000"/>
+                </a:solidFill>
+                <a:highlight>
+                  <a:srgbClr val="FFFFFF"/>
+                </a:highlight>
+                <a:latin typeface="Consolas" panose="020B0609020204030204" pitchFamily="49" charset="0"/>
+              </a:rPr>
+              <a:t> product)</a:t>
+            </a:r>
+          </a:p>
+          <a:p>
+            <a:r>
+              <a:rPr lang="nl-NL" dirty="0" smtClean="0">
+                <a:solidFill>
+                  <a:srgbClr val="000000"/>
+                </a:solidFill>
+                <a:highlight>
+                  <a:srgbClr val="FFFFFF"/>
+                </a:highlight>
+                <a:latin typeface="Consolas" panose="020B0609020204030204" pitchFamily="49" charset="0"/>
+              </a:rPr>
+              <a:t>{</a:t>
+            </a:r>
+            <a:endParaRPr lang="nl-NL" dirty="0">
+              <a:solidFill>
+                <a:srgbClr val="000000"/>
+              </a:solidFill>
+              <a:highlight>
+                <a:srgbClr val="FFFFFF"/>
+              </a:highlight>
+              <a:latin typeface="Consolas" panose="020B0609020204030204" pitchFamily="49" charset="0"/>
+            </a:endParaRPr>
+          </a:p>
+          <a:p>
+            <a:r>
+              <a:rPr lang="nl-NL" dirty="0" smtClean="0">
+                <a:solidFill>
+                  <a:srgbClr val="0000FF"/>
+                </a:solidFill>
+                <a:highlight>
+                  <a:srgbClr val="FFFFFF"/>
+                </a:highlight>
+                <a:latin typeface="Consolas" panose="020B0609020204030204" pitchFamily="49" charset="0"/>
+              </a:rPr>
+              <a:t>  </a:t>
+            </a:r>
+            <a:r>
+              <a:rPr lang="nl-NL" dirty="0" err="1" smtClean="0">
+                <a:solidFill>
+                  <a:srgbClr val="0000FF"/>
+                </a:solidFill>
+                <a:highlight>
+                  <a:srgbClr val="FFFFFF"/>
+                </a:highlight>
+                <a:latin typeface="Consolas" panose="020B0609020204030204" pitchFamily="49" charset="0"/>
+              </a:rPr>
+              <a:t>if</a:t>
+            </a:r>
+            <a:r>
+              <a:rPr lang="nl-NL" dirty="0" smtClean="0">
+                <a:solidFill>
+                  <a:srgbClr val="000000"/>
+                </a:solidFill>
+                <a:highlight>
+                  <a:srgbClr val="FFFFFF"/>
+                </a:highlight>
+                <a:latin typeface="Consolas" panose="020B0609020204030204" pitchFamily="49" charset="0"/>
+              </a:rPr>
+              <a:t> </a:t>
+            </a:r>
+            <a:r>
+              <a:rPr lang="nl-NL" dirty="0">
+                <a:solidFill>
+                  <a:srgbClr val="000000"/>
+                </a:solidFill>
+                <a:highlight>
+                  <a:srgbClr val="FFFFFF"/>
+                </a:highlight>
+                <a:latin typeface="Consolas" panose="020B0609020204030204" pitchFamily="49" charset="0"/>
+              </a:rPr>
+              <a:t>(x &lt; 2)</a:t>
+            </a:r>
+          </a:p>
+          <a:p>
+            <a:r>
+              <a:rPr lang="nl-NL" dirty="0">
+                <a:solidFill>
+                  <a:srgbClr val="000000"/>
+                </a:solidFill>
+                <a:highlight>
+                  <a:srgbClr val="FFFFFF"/>
+                </a:highlight>
+                <a:latin typeface="Consolas" panose="020B0609020204030204" pitchFamily="49" charset="0"/>
+              </a:rPr>
+              <a:t>  </a:t>
+            </a:r>
+            <a:r>
+              <a:rPr lang="nl-NL" dirty="0" smtClean="0">
+                <a:solidFill>
+                  <a:srgbClr val="000000"/>
+                </a:solidFill>
+                <a:highlight>
+                  <a:srgbClr val="FFFFFF"/>
+                </a:highlight>
+                <a:latin typeface="Consolas" panose="020B0609020204030204" pitchFamily="49" charset="0"/>
+              </a:rPr>
+              <a:t>  </a:t>
+            </a:r>
+            <a:r>
+              <a:rPr lang="nl-NL" dirty="0" smtClean="0">
+                <a:solidFill>
+                  <a:srgbClr val="0000FF"/>
+                </a:solidFill>
+                <a:highlight>
+                  <a:srgbClr val="FFFFFF"/>
+                </a:highlight>
+                <a:latin typeface="Consolas" panose="020B0609020204030204" pitchFamily="49" charset="0"/>
+              </a:rPr>
+              <a:t>return</a:t>
+            </a:r>
+            <a:r>
+              <a:rPr lang="nl-NL" dirty="0" smtClean="0">
+                <a:solidFill>
+                  <a:srgbClr val="000000"/>
+                </a:solidFill>
+                <a:highlight>
+                  <a:srgbClr val="FFFFFF"/>
+                </a:highlight>
+                <a:latin typeface="Consolas" panose="020B0609020204030204" pitchFamily="49" charset="0"/>
+              </a:rPr>
+              <a:t> </a:t>
+            </a:r>
+            <a:r>
+              <a:rPr lang="nl-NL" dirty="0">
+                <a:solidFill>
+                  <a:srgbClr val="000000"/>
+                </a:solidFill>
+                <a:highlight>
+                  <a:srgbClr val="FFFFFF"/>
+                </a:highlight>
+                <a:latin typeface="Consolas" panose="020B0609020204030204" pitchFamily="49" charset="0"/>
+              </a:rPr>
+              <a:t>product;</a:t>
+            </a:r>
+          </a:p>
+          <a:p>
+            <a:r>
+              <a:rPr lang="en-US" dirty="0">
+                <a:solidFill>
+                  <a:srgbClr val="000000"/>
+                </a:solidFill>
+                <a:highlight>
+                  <a:srgbClr val="FFFFFF"/>
+                </a:highlight>
+                <a:latin typeface="Consolas" panose="020B0609020204030204" pitchFamily="49" charset="0"/>
+              </a:rPr>
+              <a:t>  </a:t>
+            </a:r>
+            <a:r>
+              <a:rPr lang="en-US" dirty="0" smtClean="0">
+                <a:solidFill>
+                  <a:srgbClr val="0000FF"/>
+                </a:solidFill>
+                <a:highlight>
+                  <a:srgbClr val="FFFFFF"/>
+                </a:highlight>
+                <a:latin typeface="Consolas" panose="020B0609020204030204" pitchFamily="49" charset="0"/>
+              </a:rPr>
+              <a:t>return</a:t>
+            </a:r>
+            <a:r>
+              <a:rPr lang="en-US" dirty="0" smtClean="0">
+                <a:solidFill>
+                  <a:srgbClr val="000000"/>
+                </a:solidFill>
+                <a:highlight>
+                  <a:srgbClr val="FFFFFF"/>
+                </a:highlight>
+                <a:latin typeface="Consolas" panose="020B0609020204030204" pitchFamily="49" charset="0"/>
+              </a:rPr>
+              <a:t> </a:t>
+            </a:r>
+            <a:r>
+              <a:rPr lang="en-US" dirty="0" err="1">
+                <a:solidFill>
+                  <a:srgbClr val="000000"/>
+                </a:solidFill>
+                <a:highlight>
+                  <a:srgbClr val="FFFFFF"/>
+                </a:highlight>
+                <a:latin typeface="Consolas" panose="020B0609020204030204" pitchFamily="49" charset="0"/>
+              </a:rPr>
+              <a:t>FactorialTail</a:t>
+            </a:r>
+            <a:r>
+              <a:rPr lang="en-US" dirty="0">
+                <a:solidFill>
+                  <a:srgbClr val="000000"/>
+                </a:solidFill>
+                <a:highlight>
+                  <a:srgbClr val="FFFFFF"/>
+                </a:highlight>
+                <a:latin typeface="Consolas" panose="020B0609020204030204" pitchFamily="49" charset="0"/>
+              </a:rPr>
+              <a:t>(x - 1, x * product);</a:t>
+            </a:r>
+          </a:p>
+          <a:p>
+            <a:r>
+              <a:rPr lang="nl-NL" dirty="0" smtClean="0">
+                <a:solidFill>
+                  <a:srgbClr val="000000"/>
+                </a:solidFill>
+                <a:highlight>
+                  <a:srgbClr val="FFFFFF"/>
+                </a:highlight>
+                <a:latin typeface="Consolas" panose="020B0609020204030204" pitchFamily="49" charset="0"/>
+              </a:rPr>
+              <a:t>}</a:t>
+            </a:r>
+            <a:endParaRPr lang="nl-NL" dirty="0"/>
+          </a:p>
+        </p:txBody>
+      </p:sp>
+      <p:sp>
+        <p:nvSpPr>
+          <p:cNvPr id="16" name="Rectangle 15"/>
+          <p:cNvSpPr/>
+          <p:nvPr/>
+        </p:nvSpPr>
+        <p:spPr>
+          <a:xfrm>
+            <a:off x="5802790" y="2322046"/>
+            <a:ext cx="5827944" cy="2862322"/>
+          </a:xfrm>
+          <a:prstGeom prst="rect">
+            <a:avLst/>
+          </a:prstGeom>
+          <a:solidFill>
+            <a:schemeClr val="bg1"/>
+          </a:solidFill>
+          <a:ln>
+            <a:solidFill>
+              <a:schemeClr val="accent1"/>
+            </a:solidFill>
+          </a:ln>
+        </p:spPr>
+        <p:txBody>
+          <a:bodyPr wrap="square">
+            <a:spAutoFit/>
+          </a:bodyPr>
+          <a:lstStyle/>
+          <a:p>
+            <a:r>
+              <a:rPr lang="nl-NL" dirty="0" smtClean="0">
+                <a:solidFill>
+                  <a:srgbClr val="000000"/>
+                </a:solidFill>
+                <a:highlight>
+                  <a:srgbClr val="FFFFFF"/>
+                </a:highlight>
+                <a:latin typeface="Consolas" panose="020B0609020204030204" pitchFamily="49" charset="0"/>
+              </a:rPr>
+              <a:t>Factorial(x = </a:t>
+            </a:r>
+            <a:r>
+              <a:rPr lang="nl-NL" dirty="0" smtClean="0">
+                <a:solidFill>
+                  <a:srgbClr val="0000FF"/>
+                </a:solidFill>
+                <a:highlight>
+                  <a:srgbClr val="FFFFFF"/>
+                </a:highlight>
+                <a:latin typeface="Consolas" panose="020B0609020204030204" pitchFamily="49" charset="0"/>
+              </a:rPr>
+              <a:t>3</a:t>
+            </a:r>
+            <a:r>
+              <a:rPr lang="nl-NL" dirty="0">
+                <a:solidFill>
+                  <a:srgbClr val="000000"/>
+                </a:solidFill>
+                <a:highlight>
+                  <a:srgbClr val="FFFFFF"/>
+                </a:highlight>
+                <a:latin typeface="Consolas" panose="020B0609020204030204" pitchFamily="49" charset="0"/>
+              </a:rPr>
+              <a:t>, product = 1</a:t>
+            </a:r>
+            <a:r>
+              <a:rPr lang="nl-NL" dirty="0" smtClean="0">
+                <a:solidFill>
+                  <a:srgbClr val="000000"/>
+                </a:solidFill>
+                <a:highlight>
+                  <a:srgbClr val="FFFFFF"/>
+                </a:highlight>
+                <a:latin typeface="Consolas" panose="020B0609020204030204" pitchFamily="49" charset="0"/>
+              </a:rPr>
+              <a:t>)</a:t>
+            </a:r>
+            <a:endParaRPr lang="nl-NL" dirty="0">
+              <a:solidFill>
+                <a:srgbClr val="000000"/>
+              </a:solidFill>
+              <a:highlight>
+                <a:srgbClr val="FFFFFF"/>
+              </a:highlight>
+              <a:latin typeface="Consolas" panose="020B0609020204030204" pitchFamily="49" charset="0"/>
+            </a:endParaRPr>
+          </a:p>
+          <a:p>
+            <a:r>
+              <a:rPr lang="nl-NL" dirty="0" smtClean="0">
+                <a:solidFill>
+                  <a:srgbClr val="000000"/>
+                </a:solidFill>
+                <a:highlight>
+                  <a:srgbClr val="FFFFFF"/>
+                </a:highlight>
+                <a:latin typeface="Consolas" panose="020B0609020204030204" pitchFamily="49" charset="0"/>
+              </a:rPr>
+              <a:t>    (x &gt;= 2)</a:t>
+            </a:r>
+            <a:endParaRPr lang="nl-NL" dirty="0">
+              <a:solidFill>
+                <a:srgbClr val="000000"/>
+              </a:solidFill>
+              <a:highlight>
+                <a:srgbClr val="FFFFFF"/>
+              </a:highlight>
+              <a:latin typeface="Consolas" panose="020B0609020204030204" pitchFamily="49" charset="0"/>
+            </a:endParaRPr>
+          </a:p>
+          <a:p>
+            <a:r>
+              <a:rPr lang="nl-NL" dirty="0" smtClean="0">
+                <a:solidFill>
+                  <a:srgbClr val="000000"/>
+                </a:solidFill>
+                <a:highlight>
+                  <a:srgbClr val="FFFFFF"/>
+                </a:highlight>
+                <a:latin typeface="Consolas" panose="020B0609020204030204" pitchFamily="49" charset="0"/>
+              </a:rPr>
+              <a:t>    </a:t>
+            </a:r>
+            <a:r>
+              <a:rPr lang="nl-NL" dirty="0" smtClean="0">
+                <a:solidFill>
+                  <a:srgbClr val="0000FF"/>
+                </a:solidFill>
+                <a:highlight>
+                  <a:srgbClr val="FFFFFF"/>
+                </a:highlight>
+                <a:latin typeface="Consolas" panose="020B0609020204030204" pitchFamily="49" charset="0"/>
+              </a:rPr>
+              <a:t>return</a:t>
+            </a:r>
+            <a:r>
+              <a:rPr lang="nl-NL" dirty="0" smtClean="0">
+                <a:solidFill>
+                  <a:srgbClr val="000000"/>
+                </a:solidFill>
+                <a:highlight>
+                  <a:srgbClr val="FFFFFF"/>
+                </a:highlight>
+                <a:latin typeface="Consolas" panose="020B0609020204030204" pitchFamily="49" charset="0"/>
+              </a:rPr>
+              <a:t> Factorial(x = 2, product = 3);</a:t>
+            </a:r>
+          </a:p>
+          <a:p>
+            <a:r>
+              <a:rPr lang="nl-NL" dirty="0" smtClean="0">
+                <a:solidFill>
+                  <a:srgbClr val="000000"/>
+                </a:solidFill>
+                <a:highlight>
+                  <a:srgbClr val="FFFFFF"/>
+                </a:highlight>
+                <a:latin typeface="Consolas" panose="020B0609020204030204" pitchFamily="49" charset="0"/>
+              </a:rPr>
+              <a:t>        (</a:t>
+            </a:r>
+            <a:r>
+              <a:rPr lang="nl-NL" dirty="0">
+                <a:solidFill>
+                  <a:srgbClr val="000000"/>
+                </a:solidFill>
+                <a:highlight>
+                  <a:srgbClr val="FFFFFF"/>
+                </a:highlight>
+                <a:latin typeface="Consolas" panose="020B0609020204030204" pitchFamily="49" charset="0"/>
+              </a:rPr>
+              <a:t>x </a:t>
+            </a:r>
+            <a:r>
+              <a:rPr lang="nl-NL" dirty="0" smtClean="0">
+                <a:solidFill>
+                  <a:srgbClr val="000000"/>
+                </a:solidFill>
+                <a:highlight>
+                  <a:srgbClr val="FFFFFF"/>
+                </a:highlight>
+                <a:latin typeface="Consolas" panose="020B0609020204030204" pitchFamily="49" charset="0"/>
+              </a:rPr>
+              <a:t>&gt;= 2)</a:t>
+            </a:r>
+            <a:endParaRPr lang="nl-NL" dirty="0">
+              <a:solidFill>
+                <a:srgbClr val="000000"/>
+              </a:solidFill>
+              <a:highlight>
+                <a:srgbClr val="FFFFFF"/>
+              </a:highlight>
+              <a:latin typeface="Consolas" panose="020B0609020204030204" pitchFamily="49" charset="0"/>
+            </a:endParaRPr>
+          </a:p>
+          <a:p>
+            <a:r>
+              <a:rPr lang="nl-NL" dirty="0" smtClean="0">
+                <a:solidFill>
+                  <a:srgbClr val="0000FF"/>
+                </a:solidFill>
+                <a:highlight>
+                  <a:srgbClr val="FFFFFF"/>
+                </a:highlight>
+                <a:latin typeface="Consolas" panose="020B0609020204030204" pitchFamily="49" charset="0"/>
+              </a:rPr>
+              <a:t>        return</a:t>
+            </a:r>
+            <a:r>
+              <a:rPr lang="nl-NL" dirty="0" smtClean="0">
+                <a:solidFill>
+                  <a:srgbClr val="000000"/>
+                </a:solidFill>
+                <a:highlight>
+                  <a:srgbClr val="FFFFFF"/>
+                </a:highlight>
+                <a:latin typeface="Consolas" panose="020B0609020204030204" pitchFamily="49" charset="0"/>
+              </a:rPr>
+              <a:t> Factorial(x = 1, product = 6);</a:t>
+            </a:r>
+          </a:p>
+          <a:p>
+            <a:r>
+              <a:rPr lang="nl-NL" dirty="0" smtClean="0">
+                <a:solidFill>
+                  <a:srgbClr val="000000"/>
+                </a:solidFill>
+                <a:highlight>
+                  <a:srgbClr val="FFFFFF"/>
+                </a:highlight>
+                <a:latin typeface="Consolas" panose="020B0609020204030204" pitchFamily="49" charset="0"/>
+              </a:rPr>
+              <a:t>            (</a:t>
+            </a:r>
+            <a:r>
+              <a:rPr lang="nl-NL" dirty="0">
+                <a:solidFill>
+                  <a:srgbClr val="000000"/>
+                </a:solidFill>
+                <a:highlight>
+                  <a:srgbClr val="FFFFFF"/>
+                </a:highlight>
+                <a:latin typeface="Consolas" panose="020B0609020204030204" pitchFamily="49" charset="0"/>
+              </a:rPr>
+              <a:t>x &lt;</a:t>
+            </a:r>
+            <a:r>
+              <a:rPr lang="nl-NL" dirty="0" smtClean="0">
+                <a:solidFill>
+                  <a:srgbClr val="000000"/>
+                </a:solidFill>
+                <a:highlight>
+                  <a:srgbClr val="FFFFFF"/>
+                </a:highlight>
+                <a:latin typeface="Consolas" panose="020B0609020204030204" pitchFamily="49" charset="0"/>
+              </a:rPr>
+              <a:t> 2)</a:t>
+            </a:r>
+            <a:endParaRPr lang="nl-NL" dirty="0">
+              <a:solidFill>
+                <a:srgbClr val="000000"/>
+              </a:solidFill>
+              <a:highlight>
+                <a:srgbClr val="FFFFFF"/>
+              </a:highlight>
+              <a:latin typeface="Consolas" panose="020B0609020204030204" pitchFamily="49" charset="0"/>
+            </a:endParaRPr>
+          </a:p>
+          <a:p>
+            <a:r>
+              <a:rPr lang="nl-NL" dirty="0" smtClean="0">
+                <a:solidFill>
+                  <a:srgbClr val="0000FF"/>
+                </a:solidFill>
+                <a:highlight>
+                  <a:srgbClr val="FFFFFF"/>
+                </a:highlight>
+                <a:latin typeface="Consolas" panose="020B0609020204030204" pitchFamily="49" charset="0"/>
+              </a:rPr>
+              <a:t>            </a:t>
+            </a:r>
+            <a:r>
+              <a:rPr lang="nl-NL" dirty="0">
+                <a:solidFill>
+                  <a:srgbClr val="0000FF"/>
+                </a:solidFill>
+                <a:highlight>
+                  <a:srgbClr val="FFFFFF"/>
+                </a:highlight>
+                <a:latin typeface="Consolas" panose="020B0609020204030204" pitchFamily="49" charset="0"/>
+              </a:rPr>
+              <a:t>return</a:t>
+            </a:r>
+            <a:r>
+              <a:rPr lang="nl-NL" dirty="0">
+                <a:solidFill>
+                  <a:srgbClr val="000000"/>
+                </a:solidFill>
+                <a:highlight>
+                  <a:srgbClr val="FFFFFF"/>
+                </a:highlight>
+                <a:latin typeface="Consolas" panose="020B0609020204030204" pitchFamily="49" charset="0"/>
+              </a:rPr>
+              <a:t> </a:t>
+            </a:r>
+            <a:r>
+              <a:rPr lang="nl-NL" dirty="0" smtClean="0">
+                <a:solidFill>
+                  <a:srgbClr val="000000"/>
+                </a:solidFill>
+                <a:highlight>
+                  <a:srgbClr val="FFFFFF"/>
+                </a:highlight>
+                <a:latin typeface="Consolas" panose="020B0609020204030204" pitchFamily="49" charset="0"/>
+              </a:rPr>
+              <a:t>6</a:t>
+            </a:r>
+            <a:endParaRPr lang="nl-NL" dirty="0">
+              <a:solidFill>
+                <a:srgbClr val="000000"/>
+              </a:solidFill>
+              <a:highlight>
+                <a:srgbClr val="FFFFFF"/>
+              </a:highlight>
+              <a:latin typeface="Consolas" panose="020B0609020204030204" pitchFamily="49" charset="0"/>
+            </a:endParaRPr>
+          </a:p>
+          <a:p>
+            <a:r>
+              <a:rPr lang="nl-NL" dirty="0">
+                <a:solidFill>
+                  <a:srgbClr val="000000"/>
+                </a:solidFill>
+                <a:highlight>
+                  <a:srgbClr val="FFFFFF"/>
+                </a:highlight>
+                <a:latin typeface="Consolas" panose="020B0609020204030204" pitchFamily="49" charset="0"/>
+              </a:rPr>
+              <a:t>        </a:t>
+            </a:r>
+            <a:r>
+              <a:rPr lang="nl-NL" dirty="0" smtClean="0">
+                <a:solidFill>
+                  <a:srgbClr val="0000FF"/>
+                </a:solidFill>
+                <a:highlight>
+                  <a:srgbClr val="FFFFFF"/>
+                </a:highlight>
+                <a:latin typeface="Consolas" panose="020B0609020204030204" pitchFamily="49" charset="0"/>
+              </a:rPr>
+              <a:t>return</a:t>
+            </a:r>
+            <a:r>
+              <a:rPr lang="nl-NL" dirty="0" smtClean="0">
+                <a:solidFill>
+                  <a:srgbClr val="000000"/>
+                </a:solidFill>
+                <a:highlight>
+                  <a:srgbClr val="FFFFFF"/>
+                </a:highlight>
+                <a:latin typeface="Consolas" panose="020B0609020204030204" pitchFamily="49" charset="0"/>
+              </a:rPr>
+              <a:t> </a:t>
+            </a:r>
+            <a:r>
+              <a:rPr lang="nl-NL" dirty="0">
+                <a:solidFill>
+                  <a:srgbClr val="000000"/>
+                </a:solidFill>
+                <a:highlight>
+                  <a:srgbClr val="FFFFFF"/>
+                </a:highlight>
+                <a:latin typeface="Consolas" panose="020B0609020204030204" pitchFamily="49" charset="0"/>
+              </a:rPr>
+              <a:t>6</a:t>
+            </a:r>
+            <a:endParaRPr lang="nl-NL" dirty="0" smtClean="0">
+              <a:solidFill>
+                <a:srgbClr val="000000"/>
+              </a:solidFill>
+              <a:highlight>
+                <a:srgbClr val="FFFFFF"/>
+              </a:highlight>
+              <a:latin typeface="Consolas" panose="020B0609020204030204" pitchFamily="49" charset="0"/>
+            </a:endParaRPr>
+          </a:p>
+          <a:p>
+            <a:r>
+              <a:rPr lang="nl-NL" dirty="0">
+                <a:solidFill>
+                  <a:srgbClr val="000000"/>
+                </a:solidFill>
+                <a:highlight>
+                  <a:srgbClr val="FFFFFF"/>
+                </a:highlight>
+                <a:latin typeface="Consolas" panose="020B0609020204030204" pitchFamily="49" charset="0"/>
+              </a:rPr>
+              <a:t> </a:t>
+            </a:r>
+            <a:r>
+              <a:rPr lang="nl-NL" dirty="0" smtClean="0">
+                <a:solidFill>
+                  <a:srgbClr val="000000"/>
+                </a:solidFill>
+                <a:highlight>
+                  <a:srgbClr val="FFFFFF"/>
+                </a:highlight>
+                <a:latin typeface="Consolas" panose="020B0609020204030204" pitchFamily="49" charset="0"/>
+              </a:rPr>
+              <a:t>   </a:t>
+            </a:r>
+            <a:r>
+              <a:rPr lang="nl-NL" dirty="0" smtClean="0">
+                <a:solidFill>
+                  <a:srgbClr val="0000FF"/>
+                </a:solidFill>
+                <a:highlight>
+                  <a:srgbClr val="FFFFFF"/>
+                </a:highlight>
+                <a:latin typeface="Consolas" panose="020B0609020204030204" pitchFamily="49" charset="0"/>
+              </a:rPr>
+              <a:t>return 6</a:t>
+            </a:r>
+            <a:endParaRPr lang="nl-NL" dirty="0" smtClean="0">
+              <a:solidFill>
+                <a:srgbClr val="000000"/>
+              </a:solidFill>
+              <a:highlight>
+                <a:srgbClr val="FFFFFF"/>
+              </a:highlight>
+              <a:latin typeface="Consolas" panose="020B0609020204030204" pitchFamily="49" charset="0"/>
+            </a:endParaRPr>
+          </a:p>
+          <a:p>
+            <a:r>
+              <a:rPr lang="nl-NL" b="1" dirty="0" err="1" smtClean="0">
+                <a:solidFill>
+                  <a:srgbClr val="0000FF"/>
+                </a:solidFill>
+                <a:highlight>
+                  <a:srgbClr val="FFFFFF"/>
+                </a:highlight>
+                <a:latin typeface="Consolas" panose="020B0609020204030204" pitchFamily="49" charset="0"/>
+              </a:rPr>
+              <a:t>result</a:t>
+            </a:r>
+            <a:r>
+              <a:rPr lang="nl-NL" b="1" dirty="0" smtClean="0">
+                <a:solidFill>
+                  <a:srgbClr val="000000"/>
+                </a:solidFill>
+                <a:highlight>
+                  <a:srgbClr val="FFFFFF"/>
+                </a:highlight>
+                <a:latin typeface="Consolas" panose="020B0609020204030204" pitchFamily="49" charset="0"/>
+              </a:rPr>
+              <a:t> = 6</a:t>
+            </a:r>
+            <a:endParaRPr lang="nl-NL" b="1" dirty="0"/>
+          </a:p>
+        </p:txBody>
+      </p:sp>
+    </p:spTree>
+    <p:extLst>
+      <p:ext uri="{BB962C8B-B14F-4D97-AF65-F5344CB8AC3E}">
+        <p14:creationId xmlns:p14="http://schemas.microsoft.com/office/powerpoint/2010/main" val="3579279049"/>
+      </p:ext>
+    </p:extLst>
+  </p:cSld>
+  <p:clrMapOvr>
+    <a:masterClrMapping/>
+  </p:clrMapOvr>
+  <p:timing>
+    <p:tnLst>
+      <p:par>
+        <p:cTn id="1" dur="indefinite" restart="never" nodeType="tmRoot">
+          <p:childTnLst>
+            <p:seq concurrent="1" nextAc="seek">
+              <p:cTn id="2" dur="indefinite" nodeType="mainSeq">
+                <p:childTnLst>
+                  <p:par>
+                    <p:cTn id="3" fill="hold">
+                      <p:stCondLst>
+                        <p:cond delay="indefinite"/>
+                      </p:stCondLst>
+                      <p:childTnLst>
+                        <p:par>
+                          <p:cTn id="4" fill="hold">
+                            <p:stCondLst>
+                              <p:cond delay="0"/>
+                            </p:stCondLst>
+                            <p:childTnLst>
+                              <p:par>
+                                <p:cTn id="5" presetID="1" presetClass="entr" presetSubtype="0" fill="hold" grpId="0" nodeType="clickEffect">
+                                  <p:stCondLst>
+                                    <p:cond delay="0"/>
+                                  </p:stCondLst>
+                                  <p:childTnLst>
+                                    <p:set>
+                                      <p:cBhvr>
+                                        <p:cTn id="6" dur="1" fill="hold">
+                                          <p:stCondLst>
+                                            <p:cond delay="0"/>
+                                          </p:stCondLst>
+                                        </p:cTn>
+                                        <p:tgtEl>
+                                          <p:spTgt spid="16"/>
+                                        </p:tgtEl>
+                                        <p:attrNameLst>
+                                          <p:attrName>style.visibility</p:attrName>
+                                        </p:attrNameLst>
+                                      </p:cBhvr>
+                                      <p:to>
+                                        <p:strVal val="visible"/>
+                                      </p:to>
+                                    </p:set>
+                                  </p:childTnLst>
+                                </p:cTn>
+                              </p:par>
+                            </p:childTnLst>
+                          </p:cTn>
+                        </p:par>
+                      </p:childTnLst>
+                    </p:cTn>
+                  </p:par>
+                </p:childTnLst>
+              </p:cTn>
+              <p:prevCondLst>
+                <p:cond evt="onPrev" delay="0">
+                  <p:tgtEl>
+                    <p:sldTgt/>
+                  </p:tgtEl>
+                </p:cond>
+              </p:prevCondLst>
+              <p:nextCondLst>
+                <p:cond evt="onNext" delay="0">
+                  <p:tgtEl>
+                    <p:sldTgt/>
+                  </p:tgtEl>
+                </p:cond>
+              </p:nextCondLst>
+            </p:seq>
+          </p:childTnLst>
+        </p:cTn>
+      </p:par>
+    </p:tnLst>
+    <p:bldLst>
+      <p:bldP spid="16" grpId="0" animBg="1"/>
+    </p:bldLst>
+  </p:timing>
+</p:sld>
+</file>
+
+<file path=ppt/slides/slide13.xml><?xml version="1.0" encoding="utf-8"?>
+<p:sld xmlns:a="http://schemas.openxmlformats.org/drawingml/2006/main" xmlns:r="http://schemas.openxmlformats.org/officeDocument/2006/relationships" xmlns:p="http://schemas.openxmlformats.org/presentationml/2006/main">
+  <p:cSld>
+    <p:spTree>
+      <p:nvGrpSpPr>
+        <p:cNvPr id="1" name=""/>
+        <p:cNvGrpSpPr/>
+        <p:nvPr/>
+      </p:nvGrpSpPr>
+      <p:grpSpPr>
+        <a:xfrm>
+          <a:off x="0" y="0"/>
+          <a:ext cx="0" cy="0"/>
+          <a:chOff x="0" y="0"/>
+          <a:chExt cx="0" cy="0"/>
+        </a:xfrm>
+      </p:grpSpPr>
+      <p:grpSp>
+        <p:nvGrpSpPr>
+          <p:cNvPr id="9" name="Group 8"/>
+          <p:cNvGrpSpPr/>
+          <p:nvPr/>
+        </p:nvGrpSpPr>
+        <p:grpSpPr>
+          <a:xfrm>
+            <a:off x="1592187" y="228811"/>
+            <a:ext cx="7858664" cy="921253"/>
+            <a:chOff x="1069676" y="171661"/>
+            <a:chExt cx="7858664" cy="921253"/>
+          </a:xfrm>
+        </p:grpSpPr>
+        <p:sp>
+          <p:nvSpPr>
+            <p:cNvPr id="4" name="Afgeronde rechthoek 44"/>
+            <p:cNvSpPr/>
+            <p:nvPr/>
+          </p:nvSpPr>
+          <p:spPr>
+            <a:xfrm>
+              <a:off x="1069676" y="171661"/>
+              <a:ext cx="7858664" cy="921253"/>
+            </a:xfrm>
+            <a:prstGeom prst="roundRect">
+              <a:avLst>
+                <a:gd name="adj" fmla="val 42744"/>
+              </a:avLst>
+            </a:prstGeom>
+            <a:solidFill>
+              <a:srgbClr val="E42419"/>
+            </a:solidFill>
+            <a:ln>
+              <a:noFill/>
+            </a:ln>
+            <a:scene3d>
+              <a:camera prst="orthographicFront"/>
+              <a:lightRig rig="threePt" dir="t"/>
+            </a:scene3d>
+            <a:sp3d>
+              <a:bevelT/>
+            </a:sp3d>
+          </p:spPr>
+          <p:style>
+            <a:lnRef idx="2">
+              <a:schemeClr val="accent1">
+                <a:shade val="50000"/>
+              </a:schemeClr>
+            </a:lnRef>
+            <a:fillRef idx="1">
+              <a:schemeClr val="accent1"/>
+            </a:fillRef>
+            <a:effectRef idx="0">
+              <a:schemeClr val="accent1"/>
+            </a:effectRef>
+            <a:fontRef idx="minor">
+              <a:schemeClr val="lt1"/>
+            </a:fontRef>
+          </p:style>
+          <p:txBody>
+            <a:bodyPr anchor="ctr"/>
+            <a:lstStyle/>
+            <a:p>
+              <a:pPr algn="ctr" fontAlgn="auto">
+                <a:spcBef>
+                  <a:spcPts val="0"/>
+                </a:spcBef>
+                <a:spcAft>
+                  <a:spcPts val="0"/>
+                </a:spcAft>
+                <a:defRPr/>
+              </a:pPr>
+              <a:endParaRPr lang="nl-NL"/>
+            </a:p>
+          </p:txBody>
+        </p:sp>
+        <p:grpSp>
+          <p:nvGrpSpPr>
+            <p:cNvPr id="5" name="Group 4"/>
+            <p:cNvGrpSpPr/>
+            <p:nvPr/>
+          </p:nvGrpSpPr>
+          <p:grpSpPr>
+            <a:xfrm>
+              <a:off x="1454590" y="272966"/>
+              <a:ext cx="7240836" cy="656054"/>
+              <a:chOff x="2636410" y="272966"/>
+              <a:chExt cx="6938910" cy="656054"/>
+            </a:xfrm>
+          </p:grpSpPr>
+          <p:sp>
+            <p:nvSpPr>
+              <p:cNvPr id="6" name="Afgeronde rechthoek 90"/>
+              <p:cNvSpPr/>
+              <p:nvPr/>
+            </p:nvSpPr>
+            <p:spPr>
+              <a:xfrm>
+                <a:off x="2636410" y="272966"/>
+                <a:ext cx="6938910" cy="656054"/>
+              </a:xfrm>
+              <a:prstGeom prst="roundRect">
+                <a:avLst>
+                  <a:gd name="adj" fmla="val 42744"/>
+                </a:avLst>
+              </a:prstGeom>
+              <a:solidFill>
+                <a:schemeClr val="bg1"/>
+              </a:solidFill>
+              <a:ln>
+                <a:noFill/>
+              </a:ln>
+              <a:scene3d>
+                <a:camera prst="orthographicFront"/>
+                <a:lightRig rig="threePt" dir="t"/>
+              </a:scene3d>
+              <a:sp3d>
+                <a:bevelT/>
+              </a:sp3d>
+            </p:spPr>
+            <p:style>
+              <a:lnRef idx="2">
+                <a:schemeClr val="accent1">
+                  <a:shade val="50000"/>
+                </a:schemeClr>
+              </a:lnRef>
+              <a:fillRef idx="1">
+                <a:schemeClr val="accent1"/>
+              </a:fillRef>
+              <a:effectRef idx="0">
+                <a:schemeClr val="accent1"/>
+              </a:effectRef>
+              <a:fontRef idx="minor">
+                <a:schemeClr val="lt1"/>
+              </a:fontRef>
+            </p:style>
+            <p:txBody>
+              <a:bodyPr anchor="ctr"/>
+              <a:lstStyle/>
+              <a:p>
+                <a:pPr algn="ctr" fontAlgn="auto">
+                  <a:spcBef>
+                    <a:spcPts val="0"/>
+                  </a:spcBef>
+                  <a:spcAft>
+                    <a:spcPts val="0"/>
+                  </a:spcAft>
+                  <a:defRPr/>
+                </a:pPr>
+                <a:endParaRPr lang="nl-NL"/>
+              </a:p>
+            </p:txBody>
+          </p:sp>
+          <p:sp>
+            <p:nvSpPr>
+              <p:cNvPr id="7" name="Tekstvak 21"/>
+              <p:cNvSpPr txBox="1"/>
+              <p:nvPr/>
+            </p:nvSpPr>
+            <p:spPr>
+              <a:xfrm>
+                <a:off x="4196868" y="297573"/>
+                <a:ext cx="2072713" cy="523220"/>
+              </a:xfrm>
+              <a:prstGeom prst="rect">
+                <a:avLst/>
+              </a:prstGeom>
+              <a:noFill/>
+            </p:spPr>
+            <p:txBody>
+              <a:bodyPr wrap="none">
+                <a:spAutoFit/>
+              </a:bodyPr>
+              <a:lstStyle/>
+              <a:p>
+                <a:pPr algn="ctr" fontAlgn="auto">
+                  <a:spcBef>
+                    <a:spcPts val="0"/>
+                  </a:spcBef>
+                  <a:spcAft>
+                    <a:spcPts val="0"/>
+                  </a:spcAft>
+                  <a:defRPr/>
+                </a:pPr>
+                <a:r>
+                  <a:rPr lang="nl-NL" sz="2800" b="1" dirty="0" err="1" smtClean="0">
+                    <a:effectLst>
+                      <a:outerShdw blurRad="38100" dist="38100" dir="2700000" algn="tl">
+                        <a:srgbClr val="000000">
+                          <a:alpha val="43137"/>
+                        </a:srgbClr>
+                      </a:outerShdw>
+                    </a:effectLst>
+                  </a:rPr>
+                  <a:t>Memoization</a:t>
+                </a:r>
+                <a:endParaRPr lang="nl-NL" sz="2800" b="1" dirty="0">
+                  <a:effectLst>
+                    <a:outerShdw blurRad="38100" dist="38100" dir="2700000" algn="tl">
+                      <a:srgbClr val="000000">
+                        <a:alpha val="43137"/>
+                      </a:srgbClr>
+                    </a:outerShdw>
+                  </a:effectLst>
+                  <a:latin typeface="+mn-lt"/>
+                  <a:cs typeface="+mn-cs"/>
+                </a:endParaRPr>
+              </a:p>
+            </p:txBody>
+          </p:sp>
+        </p:grpSp>
+        <p:pic>
+          <p:nvPicPr>
+            <p:cNvPr id="8" name="Picture 5" descr="D:\users\boersmal\Documents\My Pictures\logo\Logo_Sogeti_groot.jpg"/>
+            <p:cNvPicPr>
+              <a:picLocks noChangeAspect="1" noChangeArrowheads="1"/>
+            </p:cNvPicPr>
+            <p:nvPr/>
+          </p:nvPicPr>
+          <p:blipFill>
+            <a:blip r:embed="rId2">
+              <a:extLst>
+                <a:ext uri="{28A0092B-C50C-407E-A947-70E740481C1C}">
+                  <a14:useLocalDpi xmlns:a14="http://schemas.microsoft.com/office/drawing/2010/main" val="0"/>
+                </a:ext>
+              </a:extLst>
+            </a:blip>
+            <a:srcRect/>
+            <a:stretch>
+              <a:fillRect/>
+            </a:stretch>
+          </p:blipFill>
+          <p:spPr bwMode="auto">
+            <a:xfrm>
+              <a:off x="6874175" y="398625"/>
+              <a:ext cx="1657350" cy="357187"/>
+            </a:xfrm>
+            <a:prstGeom prst="rect">
+              <a:avLst/>
+            </a:prstGeom>
+            <a:noFill/>
+            <a:ln>
+              <a:noFill/>
+            </a:ln>
+            <a:extLst>
+              <a:ext uri="{909E8E84-426E-40DD-AFC4-6F175D3DCCD1}">
+                <a14:hiddenFill xmlns:a14="http://schemas.microsoft.com/office/drawing/2010/main">
+                  <a:solidFill>
+                    <a:srgbClr val="FFFFFF"/>
+                  </a:solidFill>
+                </a14:hiddenFill>
+              </a:ext>
+              <a:ext uri="{91240B29-F687-4F45-9708-019B960494DF}">
+                <a14:hiddenLine xmlns:a14="http://schemas.microsoft.com/office/drawing/2010/main" w="9525">
+                  <a:solidFill>
+                    <a:srgbClr val="000000"/>
+                  </a:solidFill>
+                  <a:miter lim="800000"/>
+                  <a:headEnd/>
+                  <a:tailEnd/>
+                </a14:hiddenLine>
+              </a:ext>
+            </a:extLst>
+          </p:spPr>
+        </p:pic>
+      </p:grpSp>
+      <p:sp>
+        <p:nvSpPr>
+          <p:cNvPr id="10" name="Date Placeholder 9"/>
+          <p:cNvSpPr>
+            <a:spLocks noGrp="1"/>
+          </p:cNvSpPr>
+          <p:nvPr>
+            <p:ph type="dt" sz="half" idx="10"/>
+          </p:nvPr>
+        </p:nvSpPr>
+        <p:spPr/>
+        <p:txBody>
+          <a:bodyPr/>
+          <a:lstStyle/>
+          <a:p>
+            <a:fld id="{17B99F1E-636C-481D-A8A7-AD17B57A4529}" type="datetime1">
+              <a:rPr lang="nl-NL" smtClean="0"/>
+              <a:t>27-10-2015</a:t>
+            </a:fld>
+            <a:endParaRPr lang="nl-NL"/>
+          </a:p>
+        </p:txBody>
+      </p:sp>
+      <p:sp>
+        <p:nvSpPr>
+          <p:cNvPr id="11" name="Slide Number Placeholder 10"/>
+          <p:cNvSpPr>
+            <a:spLocks noGrp="1"/>
+          </p:cNvSpPr>
+          <p:nvPr>
+            <p:ph type="sldNum" sz="quarter" idx="12"/>
+          </p:nvPr>
+        </p:nvSpPr>
+        <p:spPr/>
+        <p:txBody>
+          <a:bodyPr/>
+          <a:lstStyle/>
+          <a:p>
+            <a:fld id="{AC3BFB62-7AAE-449C-AD60-6BA91FAD083A}" type="slidenum">
+              <a:rPr lang="nl-NL" smtClean="0"/>
+              <a:t>13</a:t>
+            </a:fld>
+            <a:endParaRPr lang="nl-NL"/>
+          </a:p>
+        </p:txBody>
+      </p:sp>
+      <p:sp>
+        <p:nvSpPr>
+          <p:cNvPr id="12" name="Footer Placeholder 11"/>
+          <p:cNvSpPr>
+            <a:spLocks noGrp="1"/>
+          </p:cNvSpPr>
+          <p:nvPr>
+            <p:ph type="ftr" sz="quarter" idx="11"/>
+          </p:nvPr>
+        </p:nvSpPr>
+        <p:spPr/>
+        <p:txBody>
+          <a:bodyPr/>
+          <a:lstStyle/>
+          <a:p>
+            <a:r>
+              <a:rPr lang="nl-NL" dirty="0"/>
+              <a:t>Sogeti Nederland B.V </a:t>
+            </a:r>
+            <a:r>
+              <a:rPr lang="nl-NL" dirty="0" smtClean="0"/>
+              <a:t>©</a:t>
+            </a:r>
+            <a:endParaRPr lang="nl-NL" dirty="0"/>
+          </a:p>
+        </p:txBody>
+      </p:sp>
+      <p:sp>
+        <p:nvSpPr>
+          <p:cNvPr id="2" name="Rounded Rectangle 1"/>
+          <p:cNvSpPr/>
+          <p:nvPr/>
+        </p:nvSpPr>
+        <p:spPr>
+          <a:xfrm>
+            <a:off x="276225" y="5867400"/>
+            <a:ext cx="828675" cy="325056"/>
+          </a:xfrm>
+          <a:prstGeom prst="roundRect">
+            <a:avLst/>
+          </a:prstGeom>
+        </p:spPr>
+        <p:style>
+          <a:lnRef idx="2">
+            <a:schemeClr val="accent1">
+              <a:shade val="50000"/>
+            </a:schemeClr>
+          </a:lnRef>
+          <a:fillRef idx="1">
+            <a:schemeClr val="accent1"/>
+          </a:fillRef>
+          <a:effectRef idx="0">
+            <a:schemeClr val="accent1"/>
+          </a:effectRef>
+          <a:fontRef idx="minor">
+            <a:schemeClr val="lt1"/>
+          </a:fontRef>
+        </p:style>
+        <p:txBody>
+          <a:bodyPr rtlCol="0" anchor="ctr"/>
+          <a:lstStyle/>
+          <a:p>
+            <a:pPr algn="ctr"/>
+            <a:r>
+              <a:rPr lang="nl-NL" dirty="0" smtClean="0">
+                <a:hlinkClick r:id="rId3" action="ppaction://hlinksldjump"/>
+              </a:rPr>
+              <a:t>BACK</a:t>
+            </a:r>
+            <a:endParaRPr lang="nl-NL" dirty="0"/>
+          </a:p>
+        </p:txBody>
+      </p:sp>
+      <p:sp>
+        <p:nvSpPr>
+          <p:cNvPr id="3" name="Rectangle 2"/>
+          <p:cNvSpPr/>
+          <p:nvPr/>
+        </p:nvSpPr>
+        <p:spPr>
+          <a:xfrm>
+            <a:off x="2129360" y="1572310"/>
+            <a:ext cx="7814739" cy="1200329"/>
+          </a:xfrm>
+          <a:prstGeom prst="rect">
+            <a:avLst/>
+          </a:prstGeom>
+        </p:spPr>
+        <p:txBody>
+          <a:bodyPr wrap="square">
+            <a:spAutoFit/>
+          </a:bodyPr>
+          <a:lstStyle/>
+          <a:p>
+            <a:r>
+              <a:rPr lang="en-US" sz="2400" b="1" dirty="0" smtClean="0"/>
+              <a:t>“ </a:t>
+            </a:r>
+            <a:r>
+              <a:rPr lang="en-US" sz="2400" b="1" dirty="0" err="1" smtClean="0"/>
+              <a:t>Memoization</a:t>
+            </a:r>
+            <a:r>
+              <a:rPr lang="en-US" sz="2400" dirty="0" smtClean="0"/>
+              <a:t> </a:t>
+            </a:r>
+            <a:r>
+              <a:rPr lang="en-US" sz="2400" dirty="0"/>
+              <a:t>is a technique for storing values of a function instead of </a:t>
+            </a:r>
+            <a:r>
+              <a:rPr lang="en-US" sz="2400" dirty="0" smtClean="0"/>
+              <a:t>re-computing </a:t>
+            </a:r>
+            <a:r>
+              <a:rPr lang="en-US" sz="2400" dirty="0"/>
+              <a:t>them each time the function is called</a:t>
+            </a:r>
+            <a:r>
+              <a:rPr lang="en-US" sz="2400" dirty="0" smtClean="0"/>
+              <a:t>.” </a:t>
+            </a:r>
+            <a:endParaRPr lang="nl-NL" sz="2400" dirty="0"/>
+          </a:p>
+        </p:txBody>
+      </p:sp>
+    </p:spTree>
+    <p:extLst>
+      <p:ext uri="{BB962C8B-B14F-4D97-AF65-F5344CB8AC3E}">
+        <p14:creationId xmlns:p14="http://schemas.microsoft.com/office/powerpoint/2010/main" val="1735464583"/>
+      </p:ext>
+    </p:extLst>
+  </p:cSld>
+  <p:clrMapOvr>
+    <a:masterClrMapping/>
+  </p:clrMapOvr>
+  <p:timing>
+    <p:tnLst>
+      <p:par>
+        <p:cTn id="1" dur="indefinite" restart="never" nodeType="tmRoot"/>
+      </p:par>
+    </p:tnLst>
+  </p:timing>
+</p:sld>
+</file>
+
+<file path=ppt/slides/slide14.xml><?xml version="1.0" encoding="utf-8"?>
 <p:sld xmlns:a="http://schemas.openxmlformats.org/drawingml/2006/main" xmlns:r="http://schemas.openxmlformats.org/officeDocument/2006/relationships" xmlns:p="http://schemas.openxmlformats.org/presentationml/2006/main">
   <p:cSld>
     <p:spTree>
@@ -7727,7 +11152,7 @@
           <a:p>
             <a:fld id="{17B99F1E-636C-481D-A8A7-AD17B57A4529}" type="datetime1">
               <a:rPr lang="nl-NL" smtClean="0"/>
-              <a:t>26-10-2015</a:t>
+              <a:t>27-10-2015</a:t>
             </a:fld>
             <a:endParaRPr lang="nl-NL"/>
           </a:p>
@@ -7750,7 +11175,7 @@
           <a:p>
             <a:fld id="{AC3BFB62-7AAE-449C-AD60-6BA91FAD083A}" type="slidenum">
               <a:rPr lang="nl-NL" smtClean="0"/>
-              <a:t>11</a:t>
+              <a:t>14</a:t>
             </a:fld>
             <a:endParaRPr lang="nl-NL"/>
           </a:p>
@@ -8132,7 +11557,7 @@
 </p:sld>
 </file>
 
-<file path=ppt/slides/slide12.xml><?xml version="1.0" encoding="utf-8"?>
+<file path=ppt/slides/slide15.xml><?xml version="1.0" encoding="utf-8"?>
 <p:sld xmlns:a="http://schemas.openxmlformats.org/drawingml/2006/main" xmlns:r="http://schemas.openxmlformats.org/officeDocument/2006/relationships" xmlns:p="http://schemas.openxmlformats.org/presentationml/2006/main">
   <p:cSld>
     <p:spTree>
@@ -8190,13 +11615,8 @@
           <a:p>
             <a:r>
               <a:rPr lang="en-US" sz="2000" dirty="0" smtClean="0"/>
-              <a:t>Monads</a:t>
-            </a:r>
-            <a:r>
-              <a:rPr lang="en-US" sz="2000" dirty="0" smtClean="0"/>
-              <a:t>: </a:t>
-            </a:r>
-            <a:endParaRPr lang="en-US" sz="2000" dirty="0" smtClean="0"/>
+              <a:t>Monads: </a:t>
+            </a:r>
           </a:p>
           <a:p>
             <a:endParaRPr lang="en-US" sz="2000" dirty="0"/>
@@ -8216,7 +11636,6 @@
               <a:rPr lang="en-US" sz="2000" dirty="0" smtClean="0"/>
               <a:t>Recursion</a:t>
             </a:r>
-            <a:endParaRPr lang="en-US" sz="2000" dirty="0" smtClean="0"/>
           </a:p>
         </p:txBody>
       </p:sp>
@@ -8504,7 +11923,7 @@
           <a:p>
             <a:fld id="{17B99F1E-636C-481D-A8A7-AD17B57A4529}" type="datetime1">
               <a:rPr lang="nl-NL" smtClean="0"/>
-              <a:t>26-10-2015</a:t>
+              <a:t>27-10-2015</a:t>
             </a:fld>
             <a:endParaRPr lang="nl-NL"/>
           </a:p>
@@ -8527,7 +11946,7 @@
           <a:p>
             <a:fld id="{AC3BFB62-7AAE-449C-AD60-6BA91FAD083A}" type="slidenum">
               <a:rPr lang="nl-NL" smtClean="0"/>
-              <a:t>12</a:t>
+              <a:t>15</a:t>
             </a:fld>
             <a:endParaRPr lang="nl-NL"/>
           </a:p>
@@ -8797,13 +12216,7 @@
               <a:rPr lang="en-US" sz="2000" dirty="0" smtClean="0">
                 <a:hlinkClick r:id="rId4"/>
               </a:rPr>
-              <a:t>What defines a functional </a:t>
-            </a:r>
-            <a:r>
-              <a:rPr lang="en-US" sz="2000" dirty="0" smtClean="0">
-                <a:hlinkClick r:id="rId4"/>
-              </a:rPr>
-              <a:t>language</a:t>
+              <a:t>What defines a functional language</a:t>
             </a:r>
             <a:endParaRPr lang="en-US" sz="2000" dirty="0" smtClean="0"/>
           </a:p>
@@ -8825,7 +12238,6 @@
               <a:rPr lang="en-US" sz="2000" dirty="0" smtClean="0"/>
               <a:t> (great !)</a:t>
             </a:r>
-            <a:endParaRPr lang="en-US" sz="2000" dirty="0" smtClean="0"/>
           </a:p>
           <a:p>
             <a:pPr lvl="1"/>
@@ -8875,13 +12287,7 @@
               <a:rPr lang="en-US" sz="2000" dirty="0" smtClean="0">
                 <a:hlinkClick r:id="rId9"/>
               </a:rPr>
-              <a:t> loves </a:t>
-            </a:r>
-            <a:r>
-              <a:rPr lang="en-US" sz="2000" dirty="0" smtClean="0">
-                <a:hlinkClick r:id="rId9"/>
-              </a:rPr>
-              <a:t>Monads</a:t>
+              <a:t> loves Monads</a:t>
             </a:r>
             <a:endParaRPr lang="en-US" sz="2000" dirty="0" smtClean="0"/>
           </a:p>
@@ -9233,7 +12639,7 @@
           <a:p>
             <a:fld id="{17B99F1E-636C-481D-A8A7-AD17B57A4529}" type="datetime1">
               <a:rPr lang="nl-NL" smtClean="0"/>
-              <a:t>26-10-2015</a:t>
+              <a:t>27-10-2015</a:t>
             </a:fld>
             <a:endParaRPr lang="nl-NL" dirty="0"/>
           </a:p>
@@ -11061,6 +14467,7 @@
                 <a:solidFill>
                   <a:schemeClr val="lt1"/>
                 </a:solidFill>
+                <a:hlinkClick r:id="rId33" action="ppaction://hlinksldjump"/>
               </a:rPr>
               <a:t>Recursion / </a:t>
             </a:r>
@@ -11069,6 +14476,7 @@
                 <a:solidFill>
                   <a:schemeClr val="lt1"/>
                 </a:solidFill>
+                <a:hlinkClick r:id="rId33" action="ppaction://hlinksldjump"/>
               </a:rPr>
               <a:t>Trampolining</a:t>
             </a:r>
@@ -11769,7 +15177,7 @@
           <a:p>
             <a:fld id="{17B99F1E-636C-481D-A8A7-AD17B57A4529}" type="datetime1">
               <a:rPr lang="nl-NL" smtClean="0"/>
-              <a:t>26-10-2015</a:t>
+              <a:t>27-10-2015</a:t>
             </a:fld>
             <a:endParaRPr lang="nl-NL"/>
           </a:p>
@@ -12562,7 +15970,7 @@
           <a:p>
             <a:fld id="{17B99F1E-636C-481D-A8A7-AD17B57A4529}" type="datetime1">
               <a:rPr lang="nl-NL" smtClean="0"/>
-              <a:t>26-10-2015</a:t>
+              <a:t>27-10-2015</a:t>
             </a:fld>
             <a:endParaRPr lang="nl-NL"/>
           </a:p>
@@ -13770,7 +17178,7 @@
           <a:p>
             <a:fld id="{17B99F1E-636C-481D-A8A7-AD17B57A4529}" type="datetime1">
               <a:rPr lang="nl-NL" smtClean="0"/>
-              <a:t>26-10-2015</a:t>
+              <a:t>27-10-2015</a:t>
             </a:fld>
             <a:endParaRPr lang="nl-NL"/>
           </a:p>
@@ -15543,7 +18951,7 @@
           <a:p>
             <a:fld id="{17B99F1E-636C-481D-A8A7-AD17B57A4529}" type="datetime1">
               <a:rPr lang="nl-NL" smtClean="0"/>
-              <a:t>26-10-2015</a:t>
+              <a:t>27-10-2015</a:t>
             </a:fld>
             <a:endParaRPr lang="nl-NL"/>
           </a:p>
@@ -17215,7 +20623,7 @@
           <a:p>
             <a:fld id="{17B99F1E-636C-481D-A8A7-AD17B57A4529}" type="datetime1">
               <a:rPr lang="nl-NL" smtClean="0"/>
-              <a:t>26-10-2015</a:t>
+              <a:t>27-10-2015</a:t>
             </a:fld>
             <a:endParaRPr lang="nl-NL"/>
           </a:p>
@@ -18063,7 +21471,7 @@
           <a:p>
             <a:fld id="{17B99F1E-636C-481D-A8A7-AD17B57A4529}" type="datetime1">
               <a:rPr lang="nl-NL" smtClean="0"/>
-              <a:t>26-10-2015</a:t>
+              <a:t>27-10-2015</a:t>
             </a:fld>
             <a:endParaRPr lang="nl-NL"/>
           </a:p>
@@ -19605,7 +23013,7 @@
           <a:p>
             <a:fld id="{17B99F1E-636C-481D-A8A7-AD17B57A4529}" type="datetime1">
               <a:rPr lang="nl-NL" smtClean="0"/>
-              <a:t>26-10-2015</a:t>
+              <a:t>27-10-2015</a:t>
             </a:fld>
             <a:endParaRPr lang="nl-NL"/>
           </a:p>

--- a/FunctionalThinking.pptx
+++ b/FunctionalThinking.pptx
@@ -6,7 +6,7 @@
     <p:sldMasterId id="2147483690" r:id="rId2"/>
   </p:sldMasterIdLst>
   <p:notesMasterIdLst>
-    <p:notesMasterId r:id="rId18"/>
+    <p:notesMasterId r:id="rId19"/>
   </p:notesMasterIdLst>
   <p:sldIdLst>
     <p:sldId id="259" r:id="rId3"/>
@@ -22,8 +22,9 @@
     <p:sldId id="272" r:id="rId13"/>
     <p:sldId id="271" r:id="rId14"/>
     <p:sldId id="273" r:id="rId15"/>
-    <p:sldId id="267" r:id="rId16"/>
-    <p:sldId id="261" r:id="rId17"/>
+    <p:sldId id="274" r:id="rId16"/>
+    <p:sldId id="267" r:id="rId17"/>
+    <p:sldId id="261" r:id="rId18"/>
   </p:sldIdLst>
   <p:sldSz cx="12192000" cy="6858000"/>
   <p:notesSz cx="6858000" cy="9144000"/>
@@ -11030,6 +11031,482 @@
             </p:nvSpPr>
             <p:spPr>
               <a:xfrm>
+                <a:off x="4670068" y="297573"/>
+                <a:ext cx="1126315" cy="523220"/>
+              </a:xfrm>
+              <a:prstGeom prst="rect">
+                <a:avLst/>
+              </a:prstGeom>
+              <a:noFill/>
+            </p:spPr>
+            <p:txBody>
+              <a:bodyPr wrap="none">
+                <a:spAutoFit/>
+              </a:bodyPr>
+              <a:lstStyle/>
+              <a:p>
+                <a:pPr algn="ctr" fontAlgn="auto">
+                  <a:spcBef>
+                    <a:spcPts val="0"/>
+                  </a:spcBef>
+                  <a:spcAft>
+                    <a:spcPts val="0"/>
+                  </a:spcAft>
+                  <a:defRPr/>
+                </a:pPr>
+                <a:r>
+                  <a:rPr lang="nl-NL" sz="2800" b="1" dirty="0" err="1" smtClean="0">
+                    <a:effectLst>
+                      <a:outerShdw blurRad="38100" dist="38100" dir="2700000" algn="tl">
+                        <a:srgbClr val="000000">
+                          <a:alpha val="43137"/>
+                        </a:srgbClr>
+                      </a:outerShdw>
+                    </a:effectLst>
+                  </a:rPr>
+                  <a:t>Mixins</a:t>
+                </a:r>
+                <a:endParaRPr lang="nl-NL" sz="2800" b="1" dirty="0">
+                  <a:effectLst>
+                    <a:outerShdw blurRad="38100" dist="38100" dir="2700000" algn="tl">
+                      <a:srgbClr val="000000">
+                        <a:alpha val="43137"/>
+                      </a:srgbClr>
+                    </a:outerShdw>
+                  </a:effectLst>
+                  <a:latin typeface="+mn-lt"/>
+                  <a:cs typeface="+mn-cs"/>
+                </a:endParaRPr>
+              </a:p>
+            </p:txBody>
+          </p:sp>
+        </p:grpSp>
+        <p:pic>
+          <p:nvPicPr>
+            <p:cNvPr id="8" name="Picture 5" descr="D:\users\boersmal\Documents\My Pictures\logo\Logo_Sogeti_groot.jpg"/>
+            <p:cNvPicPr>
+              <a:picLocks noChangeAspect="1" noChangeArrowheads="1"/>
+            </p:cNvPicPr>
+            <p:nvPr/>
+          </p:nvPicPr>
+          <p:blipFill>
+            <a:blip r:embed="rId2">
+              <a:extLst>
+                <a:ext uri="{28A0092B-C50C-407E-A947-70E740481C1C}">
+                  <a14:useLocalDpi xmlns:a14="http://schemas.microsoft.com/office/drawing/2010/main" val="0"/>
+                </a:ext>
+              </a:extLst>
+            </a:blip>
+            <a:srcRect/>
+            <a:stretch>
+              <a:fillRect/>
+            </a:stretch>
+          </p:blipFill>
+          <p:spPr bwMode="auto">
+            <a:xfrm>
+              <a:off x="6874175" y="398625"/>
+              <a:ext cx="1657350" cy="357187"/>
+            </a:xfrm>
+            <a:prstGeom prst="rect">
+              <a:avLst/>
+            </a:prstGeom>
+            <a:noFill/>
+            <a:ln>
+              <a:noFill/>
+            </a:ln>
+            <a:extLst>
+              <a:ext uri="{909E8E84-426E-40DD-AFC4-6F175D3DCCD1}">
+                <a14:hiddenFill xmlns:a14="http://schemas.microsoft.com/office/drawing/2010/main">
+                  <a:solidFill>
+                    <a:srgbClr val="FFFFFF"/>
+                  </a:solidFill>
+                </a14:hiddenFill>
+              </a:ext>
+              <a:ext uri="{91240B29-F687-4F45-9708-019B960494DF}">
+                <a14:hiddenLine xmlns:a14="http://schemas.microsoft.com/office/drawing/2010/main" w="9525">
+                  <a:solidFill>
+                    <a:srgbClr val="000000"/>
+                  </a:solidFill>
+                  <a:miter lim="800000"/>
+                  <a:headEnd/>
+                  <a:tailEnd/>
+                </a14:hiddenLine>
+              </a:ext>
+            </a:extLst>
+          </p:spPr>
+        </p:pic>
+      </p:grpSp>
+      <p:sp>
+        <p:nvSpPr>
+          <p:cNvPr id="10" name="Date Placeholder 9"/>
+          <p:cNvSpPr>
+            <a:spLocks noGrp="1"/>
+          </p:cNvSpPr>
+          <p:nvPr>
+            <p:ph type="dt" sz="half" idx="10"/>
+          </p:nvPr>
+        </p:nvSpPr>
+        <p:spPr/>
+        <p:txBody>
+          <a:bodyPr/>
+          <a:lstStyle/>
+          <a:p>
+            <a:fld id="{17B99F1E-636C-481D-A8A7-AD17B57A4529}" type="datetime1">
+              <a:rPr lang="nl-NL" smtClean="0"/>
+              <a:t>27-10-2015</a:t>
+            </a:fld>
+            <a:endParaRPr lang="nl-NL"/>
+          </a:p>
+        </p:txBody>
+      </p:sp>
+      <p:sp>
+        <p:nvSpPr>
+          <p:cNvPr id="11" name="Slide Number Placeholder 10"/>
+          <p:cNvSpPr>
+            <a:spLocks noGrp="1"/>
+          </p:cNvSpPr>
+          <p:nvPr>
+            <p:ph type="sldNum" sz="quarter" idx="12"/>
+          </p:nvPr>
+        </p:nvSpPr>
+        <p:spPr/>
+        <p:txBody>
+          <a:bodyPr/>
+          <a:lstStyle/>
+          <a:p>
+            <a:fld id="{AC3BFB62-7AAE-449C-AD60-6BA91FAD083A}" type="slidenum">
+              <a:rPr lang="nl-NL" smtClean="0"/>
+              <a:t>14</a:t>
+            </a:fld>
+            <a:endParaRPr lang="nl-NL"/>
+          </a:p>
+        </p:txBody>
+      </p:sp>
+      <p:sp>
+        <p:nvSpPr>
+          <p:cNvPr id="12" name="Footer Placeholder 11"/>
+          <p:cNvSpPr>
+            <a:spLocks noGrp="1"/>
+          </p:cNvSpPr>
+          <p:nvPr>
+            <p:ph type="ftr" sz="quarter" idx="11"/>
+          </p:nvPr>
+        </p:nvSpPr>
+        <p:spPr/>
+        <p:txBody>
+          <a:bodyPr/>
+          <a:lstStyle/>
+          <a:p>
+            <a:r>
+              <a:rPr lang="nl-NL" dirty="0"/>
+              <a:t>Sogeti Nederland B.V </a:t>
+            </a:r>
+            <a:r>
+              <a:rPr lang="nl-NL" dirty="0" smtClean="0"/>
+              <a:t>©</a:t>
+            </a:r>
+            <a:endParaRPr lang="nl-NL" dirty="0"/>
+          </a:p>
+        </p:txBody>
+      </p:sp>
+      <p:sp>
+        <p:nvSpPr>
+          <p:cNvPr id="2" name="Rounded Rectangle 1"/>
+          <p:cNvSpPr/>
+          <p:nvPr/>
+        </p:nvSpPr>
+        <p:spPr>
+          <a:xfrm>
+            <a:off x="276225" y="5867400"/>
+            <a:ext cx="828675" cy="325056"/>
+          </a:xfrm>
+          <a:prstGeom prst="roundRect">
+            <a:avLst/>
+          </a:prstGeom>
+        </p:spPr>
+        <p:style>
+          <a:lnRef idx="2">
+            <a:schemeClr val="accent1">
+              <a:shade val="50000"/>
+            </a:schemeClr>
+          </a:lnRef>
+          <a:fillRef idx="1">
+            <a:schemeClr val="accent1"/>
+          </a:fillRef>
+          <a:effectRef idx="0">
+            <a:schemeClr val="accent1"/>
+          </a:effectRef>
+          <a:fontRef idx="minor">
+            <a:schemeClr val="lt1"/>
+          </a:fontRef>
+        </p:style>
+        <p:txBody>
+          <a:bodyPr rtlCol="0" anchor="ctr"/>
+          <a:lstStyle/>
+          <a:p>
+            <a:pPr algn="ctr"/>
+            <a:r>
+              <a:rPr lang="nl-NL" dirty="0" smtClean="0">
+                <a:hlinkClick r:id="rId3" action="ppaction://hlinksldjump"/>
+              </a:rPr>
+              <a:t>BACK</a:t>
+            </a:r>
+            <a:endParaRPr lang="nl-NL" dirty="0"/>
+          </a:p>
+        </p:txBody>
+      </p:sp>
+      <p:sp>
+        <p:nvSpPr>
+          <p:cNvPr id="3" name="Rectangle 2"/>
+          <p:cNvSpPr/>
+          <p:nvPr/>
+        </p:nvSpPr>
+        <p:spPr>
+          <a:xfrm>
+            <a:off x="2129360" y="1572310"/>
+            <a:ext cx="7814739" cy="2677656"/>
+          </a:xfrm>
+          <a:prstGeom prst="rect">
+            <a:avLst/>
+          </a:prstGeom>
+        </p:spPr>
+        <p:txBody>
+          <a:bodyPr wrap="square">
+            <a:spAutoFit/>
+          </a:bodyPr>
+          <a:lstStyle/>
+          <a:p>
+            <a:r>
+              <a:rPr lang="en-US" sz="2400" b="1" dirty="0"/>
+              <a:t>“In object-oriented programming languages, a </a:t>
+            </a:r>
+            <a:r>
+              <a:rPr lang="en-US" sz="2400" b="1" dirty="0" err="1"/>
+              <a:t>mixin</a:t>
+            </a:r>
+            <a:r>
+              <a:rPr lang="en-US" sz="2400" b="1" dirty="0"/>
+              <a:t> is a class that contains a combination of methods from other classes. How such a combination is done depends on the language. If a combination contains all methods of combined classes, it is equivalent to multiple inheritance. </a:t>
+            </a:r>
+            <a:r>
+              <a:rPr lang="en-US" sz="2400" b="1" dirty="0" err="1"/>
+              <a:t>Mixins</a:t>
+            </a:r>
+            <a:r>
+              <a:rPr lang="en-US" sz="2400" b="1" dirty="0"/>
+              <a:t> are sometimes described as being "included" rather than "</a:t>
+            </a:r>
+            <a:r>
+              <a:rPr lang="en-US" sz="2400" b="1" dirty="0" smtClean="0"/>
+              <a:t>inherited</a:t>
+            </a:r>
+            <a:r>
+              <a:rPr lang="en-US" sz="2400" dirty="0" smtClean="0"/>
+              <a:t>.” </a:t>
+            </a:r>
+            <a:endParaRPr lang="nl-NL" sz="2400" dirty="0"/>
+          </a:p>
+        </p:txBody>
+      </p:sp>
+    </p:spTree>
+    <p:extLst>
+      <p:ext uri="{BB962C8B-B14F-4D97-AF65-F5344CB8AC3E}">
+        <p14:creationId xmlns:p14="http://schemas.microsoft.com/office/powerpoint/2010/main" val="816321549"/>
+      </p:ext>
+    </p:extLst>
+  </p:cSld>
+  <p:clrMapOvr>
+    <a:masterClrMapping/>
+  </p:clrMapOvr>
+  <p:timing>
+    <p:tnLst>
+      <p:par>
+        <p:cTn id="1" dur="indefinite" restart="never" nodeType="tmRoot"/>
+      </p:par>
+    </p:tnLst>
+  </p:timing>
+</p:sld>
+</file>
+
+<file path=ppt/slides/slide15.xml><?xml version="1.0" encoding="utf-8"?>
+<p:sld xmlns:a="http://schemas.openxmlformats.org/drawingml/2006/main" xmlns:r="http://schemas.openxmlformats.org/officeDocument/2006/relationships" xmlns:p="http://schemas.openxmlformats.org/presentationml/2006/main">
+  <p:cSld>
+    <p:spTree>
+      <p:nvGrpSpPr>
+        <p:cNvPr id="1" name=""/>
+        <p:cNvGrpSpPr/>
+        <p:nvPr/>
+      </p:nvGrpSpPr>
+      <p:grpSpPr>
+        <a:xfrm>
+          <a:off x="0" y="0"/>
+          <a:ext cx="0" cy="0"/>
+          <a:chOff x="0" y="0"/>
+          <a:chExt cx="0" cy="0"/>
+        </a:xfrm>
+      </p:grpSpPr>
+      <p:grpSp>
+        <p:nvGrpSpPr>
+          <p:cNvPr id="9" name="Group 8"/>
+          <p:cNvGrpSpPr/>
+          <p:nvPr/>
+        </p:nvGrpSpPr>
+        <p:grpSpPr>
+          <a:xfrm>
+            <a:off x="1592187" y="228811"/>
+            <a:ext cx="7858664" cy="921253"/>
+            <a:chOff x="1069676" y="171661"/>
+            <a:chExt cx="7858664" cy="921253"/>
+          </a:xfrm>
+        </p:grpSpPr>
+        <p:sp>
+          <p:nvSpPr>
+            <p:cNvPr id="4" name="Afgeronde rechthoek 44"/>
+            <p:cNvSpPr/>
+            <p:nvPr/>
+          </p:nvSpPr>
+          <p:spPr>
+            <a:xfrm>
+              <a:off x="1069676" y="171661"/>
+              <a:ext cx="7858664" cy="921253"/>
+            </a:xfrm>
+            <a:prstGeom prst="roundRect">
+              <a:avLst>
+                <a:gd name="adj" fmla="val 42744"/>
+              </a:avLst>
+            </a:prstGeom>
+            <a:solidFill>
+              <a:srgbClr val="E42419"/>
+            </a:solidFill>
+            <a:ln>
+              <a:noFill/>
+            </a:ln>
+            <a:scene3d>
+              <a:camera prst="orthographicFront"/>
+              <a:lightRig rig="threePt" dir="t"/>
+            </a:scene3d>
+            <a:sp3d>
+              <a:bevelT/>
+            </a:sp3d>
+          </p:spPr>
+          <p:style>
+            <a:lnRef idx="2">
+              <a:schemeClr val="accent1">
+                <a:shade val="50000"/>
+              </a:schemeClr>
+            </a:lnRef>
+            <a:fillRef idx="1">
+              <a:schemeClr val="accent1"/>
+            </a:fillRef>
+            <a:effectRef idx="0">
+              <a:schemeClr val="accent1"/>
+            </a:effectRef>
+            <a:fontRef idx="minor">
+              <a:schemeClr val="lt1"/>
+            </a:fontRef>
+          </p:style>
+          <p:txBody>
+            <a:bodyPr anchor="ctr"/>
+            <a:lstStyle/>
+            <a:p>
+              <a:pPr algn="ctr" fontAlgn="auto">
+                <a:spcBef>
+                  <a:spcPts val="0"/>
+                </a:spcBef>
+                <a:spcAft>
+                  <a:spcPts val="0"/>
+                </a:spcAft>
+                <a:defRPr/>
+              </a:pPr>
+              <a:endParaRPr lang="nl-NL"/>
+            </a:p>
+          </p:txBody>
+        </p:sp>
+        <p:grpSp>
+          <p:nvGrpSpPr>
+            <p:cNvPr id="5" name="Group 4"/>
+            <p:cNvGrpSpPr/>
+            <p:nvPr/>
+          </p:nvGrpSpPr>
+          <p:grpSpPr>
+            <a:xfrm>
+              <a:off x="1454590" y="272966"/>
+              <a:ext cx="7240836" cy="656054"/>
+              <a:chOff x="2636410" y="272966"/>
+              <a:chExt cx="6938910" cy="656054"/>
+            </a:xfrm>
+          </p:grpSpPr>
+          <p:sp>
+            <p:nvSpPr>
+              <p:cNvPr id="6" name="Afgeronde rechthoek 90"/>
+              <p:cNvSpPr/>
+              <p:nvPr/>
+            </p:nvSpPr>
+            <p:spPr>
+              <a:xfrm>
+                <a:off x="2636410" y="272966"/>
+                <a:ext cx="6938910" cy="656054"/>
+              </a:xfrm>
+              <a:prstGeom prst="roundRect">
+                <a:avLst>
+                  <a:gd name="adj" fmla="val 42744"/>
+                </a:avLst>
+              </a:prstGeom>
+              <a:solidFill>
+                <a:schemeClr val="bg1"/>
+              </a:solidFill>
+              <a:ln>
+                <a:noFill/>
+              </a:ln>
+              <a:scene3d>
+                <a:camera prst="orthographicFront"/>
+                <a:lightRig rig="threePt" dir="t"/>
+              </a:scene3d>
+              <a:sp3d>
+                <a:bevelT/>
+              </a:sp3d>
+            </p:spPr>
+            <p:style>
+              <a:lnRef idx="2">
+                <a:schemeClr val="accent1">
+                  <a:shade val="50000"/>
+                </a:schemeClr>
+              </a:lnRef>
+              <a:fillRef idx="1">
+                <a:schemeClr val="accent1"/>
+              </a:fillRef>
+              <a:effectRef idx="0">
+                <a:schemeClr val="accent1"/>
+              </a:effectRef>
+              <a:fontRef idx="minor">
+                <a:schemeClr val="lt1"/>
+              </a:fontRef>
+            </p:style>
+            <p:txBody>
+              <a:bodyPr anchor="ctr"/>
+              <a:lstStyle/>
+              <a:p>
+                <a:pPr algn="ctr" fontAlgn="auto">
+                  <a:spcBef>
+                    <a:spcPts val="0"/>
+                  </a:spcBef>
+                  <a:spcAft>
+                    <a:spcPts val="0"/>
+                  </a:spcAft>
+                  <a:defRPr/>
+                </a:pPr>
+                <a:endParaRPr lang="nl-NL"/>
+              </a:p>
+            </p:txBody>
+          </p:sp>
+          <p:sp>
+            <p:nvSpPr>
+              <p:cNvPr id="7" name="Tekstvak 21"/>
+              <p:cNvSpPr txBox="1"/>
+              <p:nvPr/>
+            </p:nvSpPr>
+            <p:spPr>
+              <a:xfrm>
                 <a:off x="4040792" y="297573"/>
                 <a:ext cx="2384860" cy="523220"/>
               </a:xfrm>
@@ -11175,7 +11652,7 @@
           <a:p>
             <a:fld id="{AC3BFB62-7AAE-449C-AD60-6BA91FAD083A}" type="slidenum">
               <a:rPr lang="nl-NL" smtClean="0"/>
-              <a:t>14</a:t>
+              <a:t>15</a:t>
             </a:fld>
             <a:endParaRPr lang="nl-NL"/>
           </a:p>
@@ -11557,7 +12034,7 @@
 </p:sld>
 </file>
 
-<file path=ppt/slides/slide15.xml><?xml version="1.0" encoding="utf-8"?>
+<file path=ppt/slides/slide16.xml><?xml version="1.0" encoding="utf-8"?>
 <p:sld xmlns:a="http://schemas.openxmlformats.org/drawingml/2006/main" xmlns:r="http://schemas.openxmlformats.org/officeDocument/2006/relationships" xmlns:p="http://schemas.openxmlformats.org/presentationml/2006/main">
   <p:cSld>
     <p:spTree>
@@ -11946,7 +12423,7 @@
           <a:p>
             <a:fld id="{AC3BFB62-7AAE-449C-AD60-6BA91FAD083A}" type="slidenum">
               <a:rPr lang="nl-NL" smtClean="0"/>
-              <a:t>15</a:t>
+              <a:t>16</a:t>
             </a:fld>
             <a:endParaRPr lang="nl-NL"/>
           </a:p>
@@ -14532,6 +15009,7 @@
                 <a:solidFill>
                   <a:schemeClr val="lt1"/>
                 </a:solidFill>
+                <a:hlinkClick r:id="rId34" action="ppaction://hlinksldjump"/>
               </a:rPr>
               <a:t>Memoization</a:t>
             </a:r>
